--- a/DashboardsPowerPoint.pptx
+++ b/DashboardsPowerPoint.pptx
@@ -6,6 +6,8 @@
   </p:sldMasterIdLst>
   <p:sldIdLst>
     <p:sldId id="259" r:id="rId2"/>
+    <p:sldId id="260" r:id="rId3"/>
+    <p:sldId id="261" r:id="rId4"/>
   </p:sldIdLst>
   <p:sldSz cx="12192000" cy="6667500"/>
   <p:notesSz cx="6858000" cy="9144000"/>
@@ -754,71 +756,42 @@
           <a:chExt cx="0" cy="0"/>
         </a:xfrm>
       </p:grpSpPr>
-      <p:sp>
-        <p:nvSpPr>
-          <p:cNvPr id="2" name="Date Placeholder 1"/>
-          <p:cNvSpPr>
-            <a:spLocks noGrp="1"/>
-          </p:cNvSpPr>
-          <p:nvPr>
-            <p:ph type="dt" sz="half" idx="10"/>
-          </p:nvPr>
-        </p:nvSpPr>
-        <p:spPr/>
-        <p:txBody>
-          <a:bodyPr/>
-          <a:lstStyle/>
-          <a:p>
-            <a:fld id="{8792551F-9E1C-4BAB-9F4F-57DE78A3B0AF}" type="datetimeFigureOut">
-              <a:rPr lang="pt-BR" smtClean="0"/>
-              <a:t>11/10/2023</a:t>
-            </a:fld>
-            <a:endParaRPr lang="pt-BR"/>
-          </a:p>
-        </p:txBody>
-      </p:sp>
-      <p:sp>
-        <p:nvSpPr>
-          <p:cNvPr id="3" name="Footer Placeholder 2"/>
-          <p:cNvSpPr>
-            <a:spLocks noGrp="1"/>
-          </p:cNvSpPr>
-          <p:nvPr>
-            <p:ph type="ftr" sz="quarter" idx="11"/>
-          </p:nvPr>
-        </p:nvSpPr>
-        <p:spPr/>
-        <p:txBody>
-          <a:bodyPr/>
-          <a:lstStyle/>
-          <a:p>
-            <a:endParaRPr lang="pt-BR"/>
-          </a:p>
-        </p:txBody>
-      </p:sp>
-      <p:sp>
-        <p:nvSpPr>
-          <p:cNvPr id="4" name="Slide Number Placeholder 3"/>
-          <p:cNvSpPr>
-            <a:spLocks noGrp="1"/>
-          </p:cNvSpPr>
-          <p:nvPr>
-            <p:ph type="sldNum" sz="quarter" idx="12"/>
-          </p:nvPr>
-        </p:nvSpPr>
-        <p:spPr/>
-        <p:txBody>
-          <a:bodyPr/>
-          <a:lstStyle/>
-          <a:p>
-            <a:fld id="{B1A7BBF8-11CE-4AD0-87A1-3A80B3BAE3FA}" type="slidenum">
-              <a:rPr lang="pt-BR" smtClean="0"/>
-              <a:t>‹nº›</a:t>
-            </a:fld>
-            <a:endParaRPr lang="pt-BR"/>
-          </a:p>
-        </p:txBody>
-      </p:sp>
+      <p:pic>
+        <p:nvPicPr>
+          <p:cNvPr id="5" name="Imagem 4">
+            <a:extLst>
+              <a:ext uri="{FF2B5EF4-FFF2-40B4-BE49-F238E27FC236}">
+                <a16:creationId xmlns:a16="http://schemas.microsoft.com/office/drawing/2014/main" id="{7C49D9DD-3960-CF03-9806-CA49C596AB61}"/>
+              </a:ext>
+            </a:extLst>
+          </p:cNvPr>
+          <p:cNvPicPr>
+            <a:picLocks noChangeAspect="1"/>
+          </p:cNvPicPr>
+          <p:nvPr userDrawn="1"/>
+        </p:nvPicPr>
+        <p:blipFill>
+          <a:blip r:embed="rId2">
+            <a:extLst>
+              <a:ext uri="{28A0092B-C50C-407E-A947-70E740481C1C}">
+                <a14:useLocalDpi xmlns:a14="http://schemas.microsoft.com/office/drawing/2010/main" val="0"/>
+              </a:ext>
+            </a:extLst>
+          </a:blip>
+          <a:stretch>
+            <a:fillRect/>
+          </a:stretch>
+        </p:blipFill>
+        <p:spPr>
+          <a:xfrm>
+            <a:off x="0" y="0"/>
+            <a:ext cx="12192000" cy="6667500"/>
+          </a:xfrm>
+          <a:prstGeom prst="rect">
+            <a:avLst/>
+          </a:prstGeom>
+        </p:spPr>
+      </p:pic>
     </p:spTree>
     <p:extLst>
       <p:ext uri="{BB962C8B-B14F-4D97-AF65-F5344CB8AC3E}">
@@ -833,7 +806,7 @@
 </file>
 
 <file path=ppt/slideLayouts/slideLayout3.xml><?xml version="1.0" encoding="utf-8"?>
-<p:sldLayout xmlns:a="http://schemas.openxmlformats.org/drawingml/2006/main" xmlns:r="http://schemas.openxmlformats.org/officeDocument/2006/relationships" xmlns:p="http://schemas.openxmlformats.org/presentationml/2006/main" type="objTx" preserve="1">
+<p:sldLayout xmlns:a="http://schemas.openxmlformats.org/drawingml/2006/main" xmlns:r="http://schemas.openxmlformats.org/officeDocument/2006/relationships" xmlns:p="http://schemas.openxmlformats.org/presentationml/2006/main" preserve="1" userDrawn="1">
   <p:cSld name="Conteúdo com Legenda">
     <p:spTree>
       <p:nvGrpSpPr>
@@ -849,253 +822,42 @@
           <a:chExt cx="0" cy="0"/>
         </a:xfrm>
       </p:grpSpPr>
-      <p:sp>
-        <p:nvSpPr>
-          <p:cNvPr id="2" name="Title 1"/>
-          <p:cNvSpPr>
-            <a:spLocks noGrp="1"/>
-          </p:cNvSpPr>
-          <p:nvPr>
-            <p:ph type="title"/>
-          </p:nvPr>
-        </p:nvSpPr>
-        <p:spPr>
-          <a:xfrm>
-            <a:off x="839789" y="444500"/>
-            <a:ext cx="3932237" cy="1555750"/>
-          </a:xfrm>
-        </p:spPr>
-        <p:txBody>
-          <a:bodyPr anchor="b"/>
-          <a:lstStyle>
-            <a:lvl1pPr>
-              <a:defRPr sz="3111"/>
-            </a:lvl1pPr>
-          </a:lstStyle>
-          <a:p>
-            <a:r>
-              <a:rPr lang="pt-BR"/>
-              <a:t>Clique para editar o título Mestre</a:t>
-            </a:r>
-            <a:endParaRPr lang="en-US" dirty="0"/>
-          </a:p>
-        </p:txBody>
-      </p:sp>
-      <p:sp>
-        <p:nvSpPr>
-          <p:cNvPr id="3" name="Content Placeholder 2"/>
-          <p:cNvSpPr>
-            <a:spLocks noGrp="1"/>
-          </p:cNvSpPr>
-          <p:nvPr>
-            <p:ph idx="1"/>
-          </p:nvPr>
-        </p:nvSpPr>
-        <p:spPr>
-          <a:xfrm>
-            <a:off x="5183188" y="959997"/>
-            <a:ext cx="6172200" cy="4738247"/>
-          </a:xfrm>
-        </p:spPr>
-        <p:txBody>
-          <a:bodyPr/>
-          <a:lstStyle>
-            <a:lvl1pPr>
-              <a:defRPr sz="3111"/>
-            </a:lvl1pPr>
-            <a:lvl2pPr>
-              <a:defRPr sz="2722"/>
-            </a:lvl2pPr>
-            <a:lvl3pPr>
-              <a:defRPr sz="2333"/>
-            </a:lvl3pPr>
-            <a:lvl4pPr>
-              <a:defRPr sz="1944"/>
-            </a:lvl4pPr>
-            <a:lvl5pPr>
-              <a:defRPr sz="1944"/>
-            </a:lvl5pPr>
-            <a:lvl6pPr>
-              <a:defRPr sz="1944"/>
-            </a:lvl6pPr>
-            <a:lvl7pPr>
-              <a:defRPr sz="1944"/>
-            </a:lvl7pPr>
-            <a:lvl8pPr>
-              <a:defRPr sz="1944"/>
-            </a:lvl8pPr>
-            <a:lvl9pPr>
-              <a:defRPr sz="1944"/>
-            </a:lvl9pPr>
-          </a:lstStyle>
-          <a:p>
-            <a:pPr lvl="0"/>
-            <a:r>
-              <a:rPr lang="pt-BR"/>
-              <a:t>Clique para editar os estilos de texto Mestres</a:t>
-            </a:r>
-          </a:p>
-          <a:p>
-            <a:pPr lvl="1"/>
-            <a:r>
-              <a:rPr lang="pt-BR"/>
-              <a:t>Segundo nível</a:t>
-            </a:r>
-          </a:p>
-          <a:p>
-            <a:pPr lvl="2"/>
-            <a:r>
-              <a:rPr lang="pt-BR"/>
-              <a:t>Terceiro nível</a:t>
-            </a:r>
-          </a:p>
-          <a:p>
-            <a:pPr lvl="3"/>
-            <a:r>
-              <a:rPr lang="pt-BR"/>
-              <a:t>Quarto nível</a:t>
-            </a:r>
-          </a:p>
-          <a:p>
-            <a:pPr lvl="4"/>
-            <a:r>
-              <a:rPr lang="pt-BR"/>
-              <a:t>Quinto nível</a:t>
-            </a:r>
-            <a:endParaRPr lang="en-US" dirty="0"/>
-          </a:p>
-        </p:txBody>
-      </p:sp>
-      <p:sp>
-        <p:nvSpPr>
-          <p:cNvPr id="4" name="Text Placeholder 3"/>
-          <p:cNvSpPr>
-            <a:spLocks noGrp="1"/>
-          </p:cNvSpPr>
-          <p:nvPr>
-            <p:ph type="body" sz="half" idx="2"/>
-          </p:nvPr>
-        </p:nvSpPr>
-        <p:spPr>
-          <a:xfrm>
-            <a:off x="839789" y="2000250"/>
-            <a:ext cx="3932237" cy="3705711"/>
-          </a:xfrm>
-        </p:spPr>
-        <p:txBody>
-          <a:bodyPr/>
-          <a:lstStyle>
-            <a:lvl1pPr marL="0" indent="0">
-              <a:buNone/>
-              <a:defRPr sz="1556"/>
-            </a:lvl1pPr>
-            <a:lvl2pPr marL="444490" indent="0">
-              <a:buNone/>
-              <a:defRPr sz="1361"/>
-            </a:lvl2pPr>
-            <a:lvl3pPr marL="888980" indent="0">
-              <a:buNone/>
-              <a:defRPr sz="1167"/>
-            </a:lvl3pPr>
-            <a:lvl4pPr marL="1333470" indent="0">
-              <a:buNone/>
-              <a:defRPr sz="972"/>
-            </a:lvl4pPr>
-            <a:lvl5pPr marL="1777959" indent="0">
-              <a:buNone/>
-              <a:defRPr sz="972"/>
-            </a:lvl5pPr>
-            <a:lvl6pPr marL="2222449" indent="0">
-              <a:buNone/>
-              <a:defRPr sz="972"/>
-            </a:lvl6pPr>
-            <a:lvl7pPr marL="2666939" indent="0">
-              <a:buNone/>
-              <a:defRPr sz="972"/>
-            </a:lvl7pPr>
-            <a:lvl8pPr marL="3111429" indent="0">
-              <a:buNone/>
-              <a:defRPr sz="972"/>
-            </a:lvl8pPr>
-            <a:lvl9pPr marL="3555919" indent="0">
-              <a:buNone/>
-              <a:defRPr sz="972"/>
-            </a:lvl9pPr>
-          </a:lstStyle>
-          <a:p>
-            <a:pPr lvl="0"/>
-            <a:r>
-              <a:rPr lang="pt-BR"/>
-              <a:t>Clique para editar os estilos de texto Mestres</a:t>
-            </a:r>
-          </a:p>
-        </p:txBody>
-      </p:sp>
-      <p:sp>
-        <p:nvSpPr>
-          <p:cNvPr id="5" name="Date Placeholder 4"/>
-          <p:cNvSpPr>
-            <a:spLocks noGrp="1"/>
-          </p:cNvSpPr>
-          <p:nvPr>
-            <p:ph type="dt" sz="half" idx="10"/>
-          </p:nvPr>
-        </p:nvSpPr>
-        <p:spPr/>
-        <p:txBody>
-          <a:bodyPr/>
-          <a:lstStyle/>
-          <a:p>
-            <a:fld id="{8792551F-9E1C-4BAB-9F4F-57DE78A3B0AF}" type="datetimeFigureOut">
-              <a:rPr lang="pt-BR" smtClean="0"/>
-              <a:t>11/10/2023</a:t>
-            </a:fld>
-            <a:endParaRPr lang="pt-BR"/>
-          </a:p>
-        </p:txBody>
-      </p:sp>
-      <p:sp>
-        <p:nvSpPr>
-          <p:cNvPr id="6" name="Footer Placeholder 5"/>
-          <p:cNvSpPr>
-            <a:spLocks noGrp="1"/>
-          </p:cNvSpPr>
-          <p:nvPr>
-            <p:ph type="ftr" sz="quarter" idx="11"/>
-          </p:nvPr>
-        </p:nvSpPr>
-        <p:spPr/>
-        <p:txBody>
-          <a:bodyPr/>
-          <a:lstStyle/>
-          <a:p>
-            <a:endParaRPr lang="pt-BR"/>
-          </a:p>
-        </p:txBody>
-      </p:sp>
-      <p:sp>
-        <p:nvSpPr>
-          <p:cNvPr id="7" name="Slide Number Placeholder 6"/>
-          <p:cNvSpPr>
-            <a:spLocks noGrp="1"/>
-          </p:cNvSpPr>
-          <p:nvPr>
-            <p:ph type="sldNum" sz="quarter" idx="12"/>
-          </p:nvPr>
-        </p:nvSpPr>
-        <p:spPr/>
-        <p:txBody>
-          <a:bodyPr/>
-          <a:lstStyle/>
-          <a:p>
-            <a:fld id="{B1A7BBF8-11CE-4AD0-87A1-3A80B3BAE3FA}" type="slidenum">
-              <a:rPr lang="pt-BR" smtClean="0"/>
-              <a:t>‹nº›</a:t>
-            </a:fld>
-            <a:endParaRPr lang="pt-BR"/>
-          </a:p>
-        </p:txBody>
-      </p:sp>
+      <p:pic>
+        <p:nvPicPr>
+          <p:cNvPr id="8" name="Imagem 7">
+            <a:extLst>
+              <a:ext uri="{FF2B5EF4-FFF2-40B4-BE49-F238E27FC236}">
+                <a16:creationId xmlns:a16="http://schemas.microsoft.com/office/drawing/2014/main" id="{F91680FA-9EFB-B5A8-5FAD-2D3EF026B895}"/>
+              </a:ext>
+            </a:extLst>
+          </p:cNvPr>
+          <p:cNvPicPr>
+            <a:picLocks noChangeAspect="1"/>
+          </p:cNvPicPr>
+          <p:nvPr userDrawn="1"/>
+        </p:nvPicPr>
+        <p:blipFill>
+          <a:blip r:embed="rId2">
+            <a:extLst>
+              <a:ext uri="{28A0092B-C50C-407E-A947-70E740481C1C}">
+                <a14:useLocalDpi xmlns:a14="http://schemas.microsoft.com/office/drawing/2010/main" val="0"/>
+              </a:ext>
+            </a:extLst>
+          </a:blip>
+          <a:stretch>
+            <a:fillRect/>
+          </a:stretch>
+        </p:blipFill>
+        <p:spPr>
+          <a:xfrm>
+            <a:off x="0" y="0"/>
+            <a:ext cx="12192000" cy="6667500"/>
+          </a:xfrm>
+          <a:prstGeom prst="rect">
+            <a:avLst/>
+          </a:prstGeom>
+        </p:spPr>
+      </p:pic>
     </p:spTree>
     <p:extLst>
       <p:ext uri="{BB962C8B-B14F-4D97-AF65-F5344CB8AC3E}">
@@ -1110,8 +872,8 @@
 </file>
 
 <file path=ppt/slideLayouts/slideLayout4.xml><?xml version="1.0" encoding="utf-8"?>
-<p:sldLayout xmlns:a="http://schemas.openxmlformats.org/drawingml/2006/main" xmlns:r="http://schemas.openxmlformats.org/officeDocument/2006/relationships" xmlns:p="http://schemas.openxmlformats.org/presentationml/2006/main" type="picTx" preserve="1">
-  <p:cSld name="Imagem com Legenda">
+<p:sldLayout xmlns:a="http://schemas.openxmlformats.org/drawingml/2006/main" xmlns:r="http://schemas.openxmlformats.org/officeDocument/2006/relationships" xmlns:p="http://schemas.openxmlformats.org/presentationml/2006/main" preserve="1" userDrawn="1">
+  <p:cSld name="1_Conteúdo com Legenda">
     <p:spTree>
       <p:nvGrpSpPr>
         <p:cNvPr id="1" name=""/>
@@ -1126,229 +888,1842 @@
           <a:chExt cx="0" cy="0"/>
         </a:xfrm>
       </p:grpSpPr>
-      <p:sp>
-        <p:nvSpPr>
-          <p:cNvPr id="2" name="Title 1"/>
-          <p:cNvSpPr>
-            <a:spLocks noGrp="1"/>
-          </p:cNvSpPr>
-          <p:nvPr>
-            <p:ph type="title"/>
-          </p:nvPr>
-        </p:nvSpPr>
-        <p:spPr>
-          <a:xfrm>
-            <a:off x="839789" y="444500"/>
-            <a:ext cx="3932237" cy="1555750"/>
-          </a:xfrm>
-        </p:spPr>
-        <p:txBody>
-          <a:bodyPr anchor="b"/>
+      <p:pic>
+        <p:nvPicPr>
+          <p:cNvPr id="8" name="Imagem 7">
+            <a:extLst>
+              <a:ext uri="{FF2B5EF4-FFF2-40B4-BE49-F238E27FC236}">
+                <a16:creationId xmlns:a16="http://schemas.microsoft.com/office/drawing/2014/main" id="{F91680FA-9EFB-B5A8-5FAD-2D3EF026B895}"/>
+              </a:ext>
+            </a:extLst>
+          </p:cNvPr>
+          <p:cNvPicPr>
+            <a:picLocks noChangeAspect="1"/>
+          </p:cNvPicPr>
+          <p:nvPr userDrawn="1"/>
+        </p:nvPicPr>
+        <p:blipFill>
+          <a:blip r:embed="rId2">
+            <a:extLst>
+              <a:ext uri="{28A0092B-C50C-407E-A947-70E740481C1C}">
+                <a14:useLocalDpi xmlns:a14="http://schemas.microsoft.com/office/drawing/2010/main" val="0"/>
+              </a:ext>
+            </a:extLst>
+          </a:blip>
+          <a:stretch>
+            <a:fillRect/>
+          </a:stretch>
+        </p:blipFill>
+        <p:spPr>
+          <a:xfrm>
+            <a:off x="0" y="0"/>
+            <a:ext cx="12192000" cy="6667500"/>
+          </a:xfrm>
+          <a:prstGeom prst="rect">
+            <a:avLst/>
+          </a:prstGeom>
+        </p:spPr>
+      </p:pic>
+      <p:sp>
+        <p:nvSpPr>
+          <p:cNvPr id="11" name="CaixaDeTexto 10">
+            <a:extLst>
+              <a:ext uri="{FF2B5EF4-FFF2-40B4-BE49-F238E27FC236}">
+                <a16:creationId xmlns:a16="http://schemas.microsoft.com/office/drawing/2014/main" id="{FC275BE3-DCD0-7DBF-BB9C-6D9A56BB3703}"/>
+              </a:ext>
+            </a:extLst>
+          </p:cNvPr>
+          <p:cNvSpPr txBox="1"/>
+          <p:nvPr/>
+        </p:nvSpPr>
+        <p:spPr>
+          <a:xfrm>
+            <a:off x="10020300" y="119431"/>
+            <a:ext cx="1803877" cy="400110"/>
+          </a:xfrm>
+          <a:prstGeom prst="rect">
+            <a:avLst/>
+          </a:prstGeom>
+          <a:solidFill>
+            <a:srgbClr val="00B050"/>
+          </a:solidFill>
+        </p:spPr>
+        <p:txBody>
+          <a:bodyPr wrap="square" rtlCol="0">
+            <a:spAutoFit/>
+          </a:bodyPr>
           <a:lstStyle>
-            <a:lvl1pPr>
-              <a:defRPr sz="3111"/>
+            <a:defPPr>
+              <a:defRPr lang="pt-BR"/>
+            </a:defPPr>
+            <a:lvl1pPr algn="ctr">
+              <a:defRPr sz="3200">
+                <a:ln>
+                  <a:solidFill>
+                    <a:srgbClr val="000000"/>
+                  </a:solidFill>
+                </a:ln>
+                <a:solidFill>
+                  <a:srgbClr val="00B050"/>
+                </a:solidFill>
+                <a:latin typeface="+mj-lt"/>
+              </a:defRPr>
             </a:lvl1pPr>
           </a:lstStyle>
           <a:p>
+            <a:pPr algn="l"/>
             <a:r>
-              <a:rPr lang="pt-BR"/>
-              <a:t>Clique para editar o título Mestre</a:t>
+              <a:rPr lang="pt-BR" sz="2000" dirty="0">
+                <a:ln w="3175">
+                  <a:noFill/>
+                  <a:prstDash val="sysDot"/>
+                </a:ln>
+                <a:solidFill>
+                  <a:schemeClr val="bg1"/>
+                </a:solidFill>
+              </a:rPr>
+              <a:t>0 a 2000</a:t>
             </a:r>
-            <a:endParaRPr lang="en-US" dirty="0"/>
-          </a:p>
-        </p:txBody>
-      </p:sp>
-      <p:sp>
-        <p:nvSpPr>
-          <p:cNvPr id="3" name="Picture Placeholder 2"/>
-          <p:cNvSpPr>
-            <a:spLocks noGrp="1" noChangeAspect="1"/>
-          </p:cNvSpPr>
-          <p:nvPr>
-            <p:ph type="pic" idx="1"/>
-          </p:nvPr>
-        </p:nvSpPr>
-        <p:spPr>
-          <a:xfrm>
-            <a:off x="5183188" y="959997"/>
-            <a:ext cx="6172200" cy="4738247"/>
-          </a:xfrm>
-        </p:spPr>
-        <p:txBody>
-          <a:bodyPr anchor="t"/>
+          </a:p>
+        </p:txBody>
+      </p:sp>
+      <p:sp>
+        <p:nvSpPr>
+          <p:cNvPr id="2" name="CaixaDeTexto 1">
+            <a:extLst>
+              <a:ext uri="{FF2B5EF4-FFF2-40B4-BE49-F238E27FC236}">
+                <a16:creationId xmlns:a16="http://schemas.microsoft.com/office/drawing/2014/main" id="{8741EB12-44D8-BA88-6893-253C18A82F70}"/>
+              </a:ext>
+            </a:extLst>
+          </p:cNvPr>
+          <p:cNvSpPr txBox="1"/>
+          <p:nvPr userDrawn="1"/>
+        </p:nvSpPr>
+        <p:spPr>
+          <a:xfrm>
+            <a:off x="10020300" y="550072"/>
+            <a:ext cx="1803877" cy="400110"/>
+          </a:xfrm>
+          <a:prstGeom prst="rect">
+            <a:avLst/>
+          </a:prstGeom>
+          <a:solidFill>
+            <a:srgbClr val="0070C0"/>
+          </a:solidFill>
+        </p:spPr>
+        <p:txBody>
+          <a:bodyPr wrap="square" rtlCol="0">
+            <a:spAutoFit/>
+          </a:bodyPr>
           <a:lstStyle>
-            <a:lvl1pPr marL="0" indent="0">
-              <a:buNone/>
-              <a:defRPr sz="3111"/>
+            <a:defPPr>
+              <a:defRPr lang="pt-BR"/>
+            </a:defPPr>
+            <a:lvl1pPr algn="ctr">
+              <a:defRPr sz="3200">
+                <a:ln>
+                  <a:solidFill>
+                    <a:srgbClr val="000000"/>
+                  </a:solidFill>
+                </a:ln>
+                <a:solidFill>
+                  <a:srgbClr val="00B050"/>
+                </a:solidFill>
+                <a:latin typeface="+mj-lt"/>
+              </a:defRPr>
             </a:lvl1pPr>
-            <a:lvl2pPr marL="444490" indent="0">
-              <a:buNone/>
-              <a:defRPr sz="2722"/>
-            </a:lvl2pPr>
-            <a:lvl3pPr marL="888980" indent="0">
-              <a:buNone/>
-              <a:defRPr sz="2333"/>
-            </a:lvl3pPr>
-            <a:lvl4pPr marL="1333470" indent="0">
-              <a:buNone/>
-              <a:defRPr sz="1944"/>
-            </a:lvl4pPr>
-            <a:lvl5pPr marL="1777959" indent="0">
-              <a:buNone/>
-              <a:defRPr sz="1944"/>
-            </a:lvl5pPr>
-            <a:lvl6pPr marL="2222449" indent="0">
-              <a:buNone/>
-              <a:defRPr sz="1944"/>
-            </a:lvl6pPr>
-            <a:lvl7pPr marL="2666939" indent="0">
-              <a:buNone/>
-              <a:defRPr sz="1944"/>
-            </a:lvl7pPr>
-            <a:lvl8pPr marL="3111429" indent="0">
-              <a:buNone/>
-              <a:defRPr sz="1944"/>
-            </a:lvl8pPr>
-            <a:lvl9pPr marL="3555919" indent="0">
-              <a:buNone/>
-              <a:defRPr sz="1944"/>
-            </a:lvl9pPr>
           </a:lstStyle>
           <a:p>
+            <a:pPr algn="l"/>
             <a:r>
-              <a:rPr lang="pt-BR"/>
-              <a:t>Clique no ícone para adicionar uma imagem</a:t>
+              <a:rPr lang="pt-BR" sz="2000" dirty="0">
+                <a:ln w="3175">
+                  <a:noFill/>
+                  <a:prstDash val="sysDot"/>
+                </a:ln>
+                <a:solidFill>
+                  <a:schemeClr val="bg1"/>
+                </a:solidFill>
+              </a:rPr>
+              <a:t>2001 a 3000</a:t>
             </a:r>
-            <a:endParaRPr lang="en-US" dirty="0"/>
-          </a:p>
-        </p:txBody>
-      </p:sp>
-      <p:sp>
-        <p:nvSpPr>
-          <p:cNvPr id="4" name="Text Placeholder 3"/>
-          <p:cNvSpPr>
-            <a:spLocks noGrp="1"/>
-          </p:cNvSpPr>
-          <p:nvPr>
-            <p:ph type="body" sz="half" idx="2"/>
-          </p:nvPr>
-        </p:nvSpPr>
-        <p:spPr>
-          <a:xfrm>
-            <a:off x="839789" y="2000250"/>
-            <a:ext cx="3932237" cy="3705711"/>
-          </a:xfrm>
-        </p:spPr>
-        <p:txBody>
-          <a:bodyPr/>
+          </a:p>
+        </p:txBody>
+      </p:sp>
+      <p:sp>
+        <p:nvSpPr>
+          <p:cNvPr id="3" name="CaixaDeTexto 2">
+            <a:extLst>
+              <a:ext uri="{FF2B5EF4-FFF2-40B4-BE49-F238E27FC236}">
+                <a16:creationId xmlns:a16="http://schemas.microsoft.com/office/drawing/2014/main" id="{12446C12-70CC-EB87-BCE7-1B326C8C04F2}"/>
+              </a:ext>
+            </a:extLst>
+          </p:cNvPr>
+          <p:cNvSpPr txBox="1"/>
+          <p:nvPr userDrawn="1"/>
+        </p:nvSpPr>
+        <p:spPr>
+          <a:xfrm>
+            <a:off x="10020300" y="950182"/>
+            <a:ext cx="1803877" cy="400110"/>
+          </a:xfrm>
+          <a:prstGeom prst="rect">
+            <a:avLst/>
+          </a:prstGeom>
+          <a:solidFill>
+            <a:srgbClr val="FFFF00"/>
+          </a:solidFill>
+        </p:spPr>
+        <p:txBody>
+          <a:bodyPr wrap="square" rtlCol="0">
+            <a:spAutoFit/>
+          </a:bodyPr>
           <a:lstStyle>
-            <a:lvl1pPr marL="0" indent="0">
-              <a:buNone/>
-              <a:defRPr sz="1556"/>
+            <a:defPPr>
+              <a:defRPr lang="pt-BR"/>
+            </a:defPPr>
+            <a:lvl1pPr algn="ctr">
+              <a:defRPr sz="3200">
+                <a:ln>
+                  <a:solidFill>
+                    <a:srgbClr val="000000"/>
+                  </a:solidFill>
+                </a:ln>
+                <a:solidFill>
+                  <a:srgbClr val="00B050"/>
+                </a:solidFill>
+                <a:latin typeface="+mj-lt"/>
+              </a:defRPr>
             </a:lvl1pPr>
-            <a:lvl2pPr marL="444490" indent="0">
-              <a:buNone/>
-              <a:defRPr sz="1361"/>
-            </a:lvl2pPr>
-            <a:lvl3pPr marL="888980" indent="0">
-              <a:buNone/>
-              <a:defRPr sz="1167"/>
-            </a:lvl3pPr>
-            <a:lvl4pPr marL="1333470" indent="0">
-              <a:buNone/>
-              <a:defRPr sz="972"/>
-            </a:lvl4pPr>
-            <a:lvl5pPr marL="1777959" indent="0">
-              <a:buNone/>
-              <a:defRPr sz="972"/>
-            </a:lvl5pPr>
-            <a:lvl6pPr marL="2222449" indent="0">
-              <a:buNone/>
-              <a:defRPr sz="972"/>
-            </a:lvl6pPr>
-            <a:lvl7pPr marL="2666939" indent="0">
-              <a:buNone/>
-              <a:defRPr sz="972"/>
-            </a:lvl7pPr>
-            <a:lvl8pPr marL="3111429" indent="0">
-              <a:buNone/>
-              <a:defRPr sz="972"/>
-            </a:lvl8pPr>
-            <a:lvl9pPr marL="3555919" indent="0">
-              <a:buNone/>
-              <a:defRPr sz="972"/>
-            </a:lvl9pPr>
           </a:lstStyle>
           <a:p>
-            <a:pPr lvl="0"/>
+            <a:pPr algn="l"/>
             <a:r>
-              <a:rPr lang="pt-BR"/>
-              <a:t>Clique para editar os estilos de texto Mestres</a:t>
+              <a:rPr lang="pt-BR" sz="2000" dirty="0">
+                <a:ln w="3175">
+                  <a:noFill/>
+                  <a:prstDash val="sysDot"/>
+                </a:ln>
+                <a:solidFill>
+                  <a:schemeClr val="tx1"/>
+                </a:solidFill>
+              </a:rPr>
+              <a:t>3001 a 4000</a:t>
             </a:r>
           </a:p>
         </p:txBody>
       </p:sp>
       <p:sp>
         <p:nvSpPr>
-          <p:cNvPr id="5" name="Date Placeholder 4"/>
-          <p:cNvSpPr>
-            <a:spLocks noGrp="1"/>
-          </p:cNvSpPr>
-          <p:nvPr>
-            <p:ph type="dt" sz="half" idx="10"/>
-          </p:nvPr>
-        </p:nvSpPr>
-        <p:spPr/>
-        <p:txBody>
-          <a:bodyPr/>
+          <p:cNvPr id="4" name="CaixaDeTexto 3">
+            <a:extLst>
+              <a:ext uri="{FF2B5EF4-FFF2-40B4-BE49-F238E27FC236}">
+                <a16:creationId xmlns:a16="http://schemas.microsoft.com/office/drawing/2014/main" id="{8B7DC9C3-BB37-CB46-14E8-A655B2455E73}"/>
+              </a:ext>
+            </a:extLst>
+          </p:cNvPr>
+          <p:cNvSpPr txBox="1"/>
+          <p:nvPr userDrawn="1"/>
+        </p:nvSpPr>
+        <p:spPr>
+          <a:xfrm>
+            <a:off x="10020300" y="1363699"/>
+            <a:ext cx="1803877" cy="400110"/>
+          </a:xfrm>
+          <a:prstGeom prst="rect">
+            <a:avLst/>
+          </a:prstGeom>
+          <a:solidFill>
+            <a:srgbClr val="FF0000"/>
+          </a:solidFill>
+        </p:spPr>
+        <p:txBody>
+          <a:bodyPr wrap="square" rtlCol="0">
+            <a:spAutoFit/>
+          </a:bodyPr>
+          <a:lstStyle>
+            <a:defPPr>
+              <a:defRPr lang="pt-BR"/>
+            </a:defPPr>
+            <a:lvl1pPr algn="ctr">
+              <a:defRPr sz="3200">
+                <a:ln>
+                  <a:solidFill>
+                    <a:srgbClr val="000000"/>
+                  </a:solidFill>
+                </a:ln>
+                <a:solidFill>
+                  <a:srgbClr val="00B050"/>
+                </a:solidFill>
+                <a:latin typeface="+mj-lt"/>
+              </a:defRPr>
+            </a:lvl1pPr>
+          </a:lstStyle>
+          <a:p>
+            <a:pPr algn="l"/>
+            <a:r>
+              <a:rPr lang="pt-BR" sz="2000" dirty="0">
+                <a:ln w="3175">
+                  <a:noFill/>
+                  <a:prstDash val="sysDot"/>
+                </a:ln>
+                <a:solidFill>
+                  <a:schemeClr val="bg1"/>
+                </a:solidFill>
+              </a:rPr>
+              <a:t>A partir 4001</a:t>
+            </a:r>
+          </a:p>
+        </p:txBody>
+      </p:sp>
+      <p:sp>
+        <p:nvSpPr>
+          <p:cNvPr id="5" name="CaixaDeTexto 4">
+            <a:extLst>
+              <a:ext uri="{FF2B5EF4-FFF2-40B4-BE49-F238E27FC236}">
+                <a16:creationId xmlns:a16="http://schemas.microsoft.com/office/drawing/2014/main" id="{0B7AF68A-91E1-1886-A76D-6A7FFE7AF4FC}"/>
+              </a:ext>
+            </a:extLst>
+          </p:cNvPr>
+          <p:cNvSpPr txBox="1"/>
+          <p:nvPr userDrawn="1"/>
+        </p:nvSpPr>
+        <p:spPr>
+          <a:xfrm>
+            <a:off x="2086360" y="340483"/>
+            <a:ext cx="5030544" cy="584775"/>
+          </a:xfrm>
+          <a:prstGeom prst="rect">
+            <a:avLst/>
+          </a:prstGeom>
+          <a:noFill/>
+        </p:spPr>
+        <p:txBody>
+          <a:bodyPr wrap="none" rtlCol="0">
+            <a:spAutoFit/>
+          </a:bodyPr>
           <a:lstStyle/>
           <a:p>
-            <a:fld id="{8792551F-9E1C-4BAB-9F4F-57DE78A3B0AF}" type="datetimeFigureOut">
-              <a:rPr lang="pt-BR" smtClean="0"/>
-              <a:t>11/10/2023</a:t>
-            </a:fld>
+            <a:r>
+              <a:rPr lang="pt-BR" sz="3200" b="1" dirty="0">
+                <a:solidFill>
+                  <a:schemeClr val="bg1"/>
+                </a:solidFill>
+                <a:latin typeface="Montserrat" panose="00000500000000000000" pitchFamily="2" charset="0"/>
+              </a:rPr>
+              <a:t>População Cadastrada</a:t>
+            </a:r>
+          </a:p>
+        </p:txBody>
+      </p:sp>
+      <p:sp>
+        <p:nvSpPr>
+          <p:cNvPr id="6" name="CaixaDeTexto 5">
+            <a:extLst>
+              <a:ext uri="{FF2B5EF4-FFF2-40B4-BE49-F238E27FC236}">
+                <a16:creationId xmlns:a16="http://schemas.microsoft.com/office/drawing/2014/main" id="{F2908CCC-AB67-53CD-1D55-8130DA973481}"/>
+              </a:ext>
+            </a:extLst>
+          </p:cNvPr>
+          <p:cNvSpPr txBox="1"/>
+          <p:nvPr userDrawn="1"/>
+        </p:nvSpPr>
+        <p:spPr>
+          <a:xfrm>
+            <a:off x="703945" y="257931"/>
+            <a:ext cx="803426" cy="261610"/>
+          </a:xfrm>
+          <a:prstGeom prst="rect">
+            <a:avLst/>
+          </a:prstGeom>
+          <a:noFill/>
+        </p:spPr>
+        <p:txBody>
+          <a:bodyPr wrap="none" rtlCol="0">
+            <a:spAutoFit/>
+          </a:bodyPr>
+          <a:lstStyle/>
+          <a:p>
+            <a:pPr algn="ctr"/>
+            <a:r>
+              <a:rPr lang="pt-BR" sz="1100" b="1" dirty="0">
+                <a:solidFill>
+                  <a:schemeClr val="bg1"/>
+                </a:solidFill>
+                <a:latin typeface="Montserrat" panose="00000500000000000000" pitchFamily="2" charset="0"/>
+              </a:rPr>
+              <a:t>GRANJA</a:t>
+            </a:r>
+          </a:p>
+        </p:txBody>
+      </p:sp>
+      <p:sp>
+        <p:nvSpPr>
+          <p:cNvPr id="12" name="Retângulo: Cantos Arredondados 11">
+            <a:extLst>
+              <a:ext uri="{FF2B5EF4-FFF2-40B4-BE49-F238E27FC236}">
+                <a16:creationId xmlns:a16="http://schemas.microsoft.com/office/drawing/2014/main" id="{0FB74A67-42CA-6E1D-1AC8-F29E767CFA6E}"/>
+              </a:ext>
+            </a:extLst>
+          </p:cNvPr>
+          <p:cNvSpPr/>
+          <p:nvPr userDrawn="1"/>
+        </p:nvSpPr>
+        <p:spPr>
+          <a:xfrm>
+            <a:off x="399290" y="2095500"/>
+            <a:ext cx="1512821" cy="1238250"/>
+          </a:xfrm>
+          <a:prstGeom prst="roundRect">
+            <a:avLst>
+              <a:gd name="adj" fmla="val 6304"/>
+            </a:avLst>
+          </a:prstGeom>
+          <a:solidFill>
+            <a:srgbClr val="FF0000">
+              <a:alpha val="20000"/>
+            </a:srgbClr>
+          </a:solidFill>
+          <a:ln w="38100">
+            <a:solidFill>
+              <a:srgbClr val="FF0000"/>
+            </a:solidFill>
+          </a:ln>
+        </p:spPr>
+        <p:style>
+          <a:lnRef idx="2">
+            <a:schemeClr val="accent1">
+              <a:shade val="15000"/>
+            </a:schemeClr>
+          </a:lnRef>
+          <a:fillRef idx="1">
+            <a:schemeClr val="accent1"/>
+          </a:fillRef>
+          <a:effectRef idx="0">
+            <a:schemeClr val="accent1"/>
+          </a:effectRef>
+          <a:fontRef idx="minor">
+            <a:schemeClr val="lt1"/>
+          </a:fontRef>
+        </p:style>
+        <p:txBody>
+          <a:bodyPr rtlCol="0" anchor="ctr"/>
+          <a:lstStyle/>
+          <a:p>
+            <a:pPr algn="ctr"/>
             <a:endParaRPr lang="pt-BR"/>
           </a:p>
         </p:txBody>
       </p:sp>
       <p:sp>
         <p:nvSpPr>
-          <p:cNvPr id="6" name="Footer Placeholder 5"/>
-          <p:cNvSpPr>
-            <a:spLocks noGrp="1"/>
-          </p:cNvSpPr>
-          <p:nvPr>
-            <p:ph type="ftr" sz="quarter" idx="11"/>
-          </p:nvPr>
-        </p:nvSpPr>
-        <p:spPr/>
-        <p:txBody>
-          <a:bodyPr/>
+          <p:cNvPr id="13" name="Retângulo: Cantos Arredondados 12">
+            <a:extLst>
+              <a:ext uri="{FF2B5EF4-FFF2-40B4-BE49-F238E27FC236}">
+                <a16:creationId xmlns:a16="http://schemas.microsoft.com/office/drawing/2014/main" id="{B12ACAD7-0BE4-2E30-1EF2-8D0D31CB51B2}"/>
+              </a:ext>
+            </a:extLst>
+          </p:cNvPr>
+          <p:cNvSpPr/>
+          <p:nvPr userDrawn="1"/>
+        </p:nvSpPr>
+        <p:spPr>
+          <a:xfrm>
+            <a:off x="2050290" y="2095500"/>
+            <a:ext cx="1512821" cy="1238250"/>
+          </a:xfrm>
+          <a:prstGeom prst="roundRect">
+            <a:avLst>
+              <a:gd name="adj" fmla="val 6304"/>
+            </a:avLst>
+          </a:prstGeom>
+          <a:solidFill>
+            <a:srgbClr val="FFFF00">
+              <a:alpha val="20000"/>
+            </a:srgbClr>
+          </a:solidFill>
+          <a:ln w="38100">
+            <a:solidFill>
+              <a:srgbClr val="FFFF00"/>
+            </a:solidFill>
+          </a:ln>
+        </p:spPr>
+        <p:style>
+          <a:lnRef idx="2">
+            <a:schemeClr val="accent1">
+              <a:shade val="15000"/>
+            </a:schemeClr>
+          </a:lnRef>
+          <a:fillRef idx="1">
+            <a:schemeClr val="accent1"/>
+          </a:fillRef>
+          <a:effectRef idx="0">
+            <a:schemeClr val="accent1"/>
+          </a:effectRef>
+          <a:fontRef idx="minor">
+            <a:schemeClr val="lt1"/>
+          </a:fontRef>
+        </p:style>
+        <p:txBody>
+          <a:bodyPr rtlCol="0" anchor="ctr"/>
           <a:lstStyle/>
           <a:p>
+            <a:pPr lvl="0" algn="ctr"/>
             <a:endParaRPr lang="pt-BR"/>
           </a:p>
         </p:txBody>
       </p:sp>
       <p:sp>
         <p:nvSpPr>
-          <p:cNvPr id="7" name="Slide Number Placeholder 6"/>
-          <p:cNvSpPr>
-            <a:spLocks noGrp="1"/>
-          </p:cNvSpPr>
-          <p:nvPr>
-            <p:ph type="sldNum" sz="quarter" idx="12"/>
-          </p:nvPr>
-        </p:nvSpPr>
-        <p:spPr/>
-        <p:txBody>
-          <a:bodyPr/>
+          <p:cNvPr id="16" name="Retângulo: Cantos Arredondados 15">
+            <a:extLst>
+              <a:ext uri="{FF2B5EF4-FFF2-40B4-BE49-F238E27FC236}">
+                <a16:creationId xmlns:a16="http://schemas.microsoft.com/office/drawing/2014/main" id="{EBEB4657-2B2D-ADF7-E262-1AD562B879E2}"/>
+              </a:ext>
+            </a:extLst>
+          </p:cNvPr>
+          <p:cNvSpPr/>
+          <p:nvPr userDrawn="1"/>
+        </p:nvSpPr>
+        <p:spPr>
+          <a:xfrm>
+            <a:off x="3688590" y="2095500"/>
+            <a:ext cx="1512821" cy="1238250"/>
+          </a:xfrm>
+          <a:prstGeom prst="roundRect">
+            <a:avLst>
+              <a:gd name="adj" fmla="val 6304"/>
+            </a:avLst>
+          </a:prstGeom>
+          <a:solidFill>
+            <a:srgbClr val="FFFF00">
+              <a:alpha val="20000"/>
+            </a:srgbClr>
+          </a:solidFill>
+          <a:ln w="38100">
+            <a:solidFill>
+              <a:srgbClr val="FFFF00"/>
+            </a:solidFill>
+          </a:ln>
+        </p:spPr>
+        <p:style>
+          <a:lnRef idx="2">
+            <a:schemeClr val="accent1">
+              <a:shade val="15000"/>
+            </a:schemeClr>
+          </a:lnRef>
+          <a:fillRef idx="1">
+            <a:schemeClr val="accent1"/>
+          </a:fillRef>
+          <a:effectRef idx="0">
+            <a:schemeClr val="accent1"/>
+          </a:effectRef>
+          <a:fontRef idx="minor">
+            <a:schemeClr val="lt1"/>
+          </a:fontRef>
+        </p:style>
+        <p:txBody>
+          <a:bodyPr rtlCol="0" anchor="ctr"/>
           <a:lstStyle/>
           <a:p>
-            <a:fld id="{B1A7BBF8-11CE-4AD0-87A1-3A80B3BAE3FA}" type="slidenum">
-              <a:rPr lang="pt-BR" smtClean="0"/>
-              <a:t>‹nº›</a:t>
-            </a:fld>
+            <a:pPr lvl="0" algn="ctr"/>
+            <a:endParaRPr lang="pt-BR"/>
+          </a:p>
+        </p:txBody>
+      </p:sp>
+      <p:sp>
+        <p:nvSpPr>
+          <p:cNvPr id="17" name="Retângulo: Cantos Arredondados 16">
+            <a:extLst>
+              <a:ext uri="{FF2B5EF4-FFF2-40B4-BE49-F238E27FC236}">
+                <a16:creationId xmlns:a16="http://schemas.microsoft.com/office/drawing/2014/main" id="{432F58E1-DC32-3BE3-9CA9-3A478BC3A22F}"/>
+              </a:ext>
+            </a:extLst>
+          </p:cNvPr>
+          <p:cNvSpPr/>
+          <p:nvPr userDrawn="1"/>
+        </p:nvSpPr>
+        <p:spPr>
+          <a:xfrm>
+            <a:off x="5339590" y="2095500"/>
+            <a:ext cx="1512821" cy="1238250"/>
+          </a:xfrm>
+          <a:prstGeom prst="roundRect">
+            <a:avLst>
+              <a:gd name="adj" fmla="val 6304"/>
+            </a:avLst>
+          </a:prstGeom>
+          <a:solidFill>
+            <a:srgbClr val="00B050">
+              <a:alpha val="20000"/>
+            </a:srgbClr>
+          </a:solidFill>
+          <a:ln w="38100">
+            <a:solidFill>
+              <a:srgbClr val="00B050"/>
+            </a:solidFill>
+          </a:ln>
+        </p:spPr>
+        <p:style>
+          <a:lnRef idx="2">
+            <a:schemeClr val="accent1">
+              <a:shade val="15000"/>
+            </a:schemeClr>
+          </a:lnRef>
+          <a:fillRef idx="1">
+            <a:schemeClr val="accent1"/>
+          </a:fillRef>
+          <a:effectRef idx="0">
+            <a:schemeClr val="accent1"/>
+          </a:effectRef>
+          <a:fontRef idx="minor">
+            <a:schemeClr val="lt1"/>
+          </a:fontRef>
+        </p:style>
+        <p:txBody>
+          <a:bodyPr rtlCol="0" anchor="ctr"/>
+          <a:lstStyle/>
+          <a:p>
+            <a:pPr lvl="0" algn="ctr"/>
+            <a:endParaRPr lang="pt-BR"/>
+          </a:p>
+        </p:txBody>
+      </p:sp>
+      <p:sp>
+        <p:nvSpPr>
+          <p:cNvPr id="19" name="Retângulo: Cantos Arredondados 18">
+            <a:extLst>
+              <a:ext uri="{FF2B5EF4-FFF2-40B4-BE49-F238E27FC236}">
+                <a16:creationId xmlns:a16="http://schemas.microsoft.com/office/drawing/2014/main" id="{5689294D-3CB4-A73E-BA00-44785DBC10B6}"/>
+              </a:ext>
+            </a:extLst>
+          </p:cNvPr>
+          <p:cNvSpPr/>
+          <p:nvPr userDrawn="1"/>
+        </p:nvSpPr>
+        <p:spPr>
+          <a:xfrm>
+            <a:off x="6990590" y="2095500"/>
+            <a:ext cx="1512821" cy="1238250"/>
+          </a:xfrm>
+          <a:prstGeom prst="roundRect">
+            <a:avLst>
+              <a:gd name="adj" fmla="val 6304"/>
+            </a:avLst>
+          </a:prstGeom>
+          <a:solidFill>
+            <a:srgbClr val="00B050">
+              <a:alpha val="20000"/>
+            </a:srgbClr>
+          </a:solidFill>
+          <a:ln w="38100">
+            <a:solidFill>
+              <a:srgbClr val="00B050"/>
+            </a:solidFill>
+          </a:ln>
+        </p:spPr>
+        <p:style>
+          <a:lnRef idx="2">
+            <a:schemeClr val="accent1">
+              <a:shade val="15000"/>
+            </a:schemeClr>
+          </a:lnRef>
+          <a:fillRef idx="1">
+            <a:schemeClr val="accent1"/>
+          </a:fillRef>
+          <a:effectRef idx="0">
+            <a:schemeClr val="accent1"/>
+          </a:effectRef>
+          <a:fontRef idx="minor">
+            <a:schemeClr val="lt1"/>
+          </a:fontRef>
+        </p:style>
+        <p:txBody>
+          <a:bodyPr rtlCol="0" anchor="ctr"/>
+          <a:lstStyle/>
+          <a:p>
+            <a:pPr lvl="0" algn="ctr"/>
+            <a:endParaRPr lang="pt-BR"/>
+          </a:p>
+        </p:txBody>
+      </p:sp>
+      <p:sp>
+        <p:nvSpPr>
+          <p:cNvPr id="20" name="Retângulo: Cantos Arredondados 19">
+            <a:extLst>
+              <a:ext uri="{FF2B5EF4-FFF2-40B4-BE49-F238E27FC236}">
+                <a16:creationId xmlns:a16="http://schemas.microsoft.com/office/drawing/2014/main" id="{6CF51DF8-703D-4B24-1207-9A05004326FB}"/>
+              </a:ext>
+            </a:extLst>
+          </p:cNvPr>
+          <p:cNvSpPr/>
+          <p:nvPr userDrawn="1"/>
+        </p:nvSpPr>
+        <p:spPr>
+          <a:xfrm>
+            <a:off x="8641590" y="2095500"/>
+            <a:ext cx="1512821" cy="1238250"/>
+          </a:xfrm>
+          <a:prstGeom prst="roundRect">
+            <a:avLst>
+              <a:gd name="adj" fmla="val 6304"/>
+            </a:avLst>
+          </a:prstGeom>
+          <a:solidFill>
+            <a:srgbClr val="0070C0">
+              <a:alpha val="20000"/>
+            </a:srgbClr>
+          </a:solidFill>
+          <a:ln w="38100">
+            <a:solidFill>
+              <a:srgbClr val="0070C0"/>
+            </a:solidFill>
+          </a:ln>
+        </p:spPr>
+        <p:style>
+          <a:lnRef idx="2">
+            <a:schemeClr val="accent1">
+              <a:shade val="15000"/>
+            </a:schemeClr>
+          </a:lnRef>
+          <a:fillRef idx="1">
+            <a:schemeClr val="accent1"/>
+          </a:fillRef>
+          <a:effectRef idx="0">
+            <a:schemeClr val="accent1"/>
+          </a:effectRef>
+          <a:fontRef idx="minor">
+            <a:schemeClr val="lt1"/>
+          </a:fontRef>
+        </p:style>
+        <p:txBody>
+          <a:bodyPr rtlCol="0" anchor="ctr"/>
+          <a:lstStyle/>
+          <a:p>
+            <a:pPr lvl="0" algn="ctr"/>
+            <a:endParaRPr lang="pt-BR"/>
+          </a:p>
+        </p:txBody>
+      </p:sp>
+      <p:sp>
+        <p:nvSpPr>
+          <p:cNvPr id="22" name="Retângulo: Cantos Arredondados 21">
+            <a:extLst>
+              <a:ext uri="{FF2B5EF4-FFF2-40B4-BE49-F238E27FC236}">
+                <a16:creationId xmlns:a16="http://schemas.microsoft.com/office/drawing/2014/main" id="{7F01595F-01C7-41D1-28A1-81BBD7366481}"/>
+              </a:ext>
+            </a:extLst>
+          </p:cNvPr>
+          <p:cNvSpPr/>
+          <p:nvPr userDrawn="1"/>
+        </p:nvSpPr>
+        <p:spPr>
+          <a:xfrm>
+            <a:off x="10279890" y="2095500"/>
+            <a:ext cx="1512821" cy="1238250"/>
+          </a:xfrm>
+          <a:prstGeom prst="roundRect">
+            <a:avLst>
+              <a:gd name="adj" fmla="val 6304"/>
+            </a:avLst>
+          </a:prstGeom>
+          <a:solidFill>
+            <a:srgbClr val="0070C0">
+              <a:alpha val="20000"/>
+            </a:srgbClr>
+          </a:solidFill>
+          <a:ln w="38100">
+            <a:solidFill>
+              <a:srgbClr val="0070C0"/>
+            </a:solidFill>
+          </a:ln>
+        </p:spPr>
+        <p:style>
+          <a:lnRef idx="2">
+            <a:schemeClr val="accent1">
+              <a:shade val="15000"/>
+            </a:schemeClr>
+          </a:lnRef>
+          <a:fillRef idx="1">
+            <a:schemeClr val="accent1"/>
+          </a:fillRef>
+          <a:effectRef idx="0">
+            <a:schemeClr val="accent1"/>
+          </a:effectRef>
+          <a:fontRef idx="minor">
+            <a:schemeClr val="lt1"/>
+          </a:fontRef>
+        </p:style>
+        <p:txBody>
+          <a:bodyPr rtlCol="0" anchor="ctr"/>
+          <a:lstStyle/>
+          <a:p>
+            <a:pPr lvl="0" algn="ctr"/>
+            <a:endParaRPr lang="pt-BR"/>
+          </a:p>
+        </p:txBody>
+      </p:sp>
+      <p:sp>
+        <p:nvSpPr>
+          <p:cNvPr id="25" name="Retângulo: Cantos Arredondados 24">
+            <a:extLst>
+              <a:ext uri="{FF2B5EF4-FFF2-40B4-BE49-F238E27FC236}">
+                <a16:creationId xmlns:a16="http://schemas.microsoft.com/office/drawing/2014/main" id="{2305E7B5-5760-E510-6C72-6CD297CD1556}"/>
+              </a:ext>
+            </a:extLst>
+          </p:cNvPr>
+          <p:cNvSpPr/>
+          <p:nvPr userDrawn="1"/>
+        </p:nvSpPr>
+        <p:spPr>
+          <a:xfrm>
+            <a:off x="399290" y="3460750"/>
+            <a:ext cx="1512821" cy="1238250"/>
+          </a:xfrm>
+          <a:prstGeom prst="roundRect">
+            <a:avLst>
+              <a:gd name="adj" fmla="val 6304"/>
+            </a:avLst>
+          </a:prstGeom>
+          <a:solidFill>
+            <a:srgbClr val="FFFF00">
+              <a:alpha val="20000"/>
+            </a:srgbClr>
+          </a:solidFill>
+          <a:ln w="38100">
+            <a:solidFill>
+              <a:srgbClr val="FFFF00"/>
+            </a:solidFill>
+          </a:ln>
+        </p:spPr>
+        <p:style>
+          <a:lnRef idx="2">
+            <a:schemeClr val="accent1">
+              <a:shade val="15000"/>
+            </a:schemeClr>
+          </a:lnRef>
+          <a:fillRef idx="1">
+            <a:schemeClr val="accent1"/>
+          </a:fillRef>
+          <a:effectRef idx="0">
+            <a:schemeClr val="accent1"/>
+          </a:effectRef>
+          <a:fontRef idx="minor">
+            <a:schemeClr val="lt1"/>
+          </a:fontRef>
+        </p:style>
+        <p:txBody>
+          <a:bodyPr rtlCol="0" anchor="ctr"/>
+          <a:lstStyle/>
+          <a:p>
+            <a:pPr lvl="0" algn="ctr"/>
+            <a:endParaRPr lang="pt-BR"/>
+          </a:p>
+        </p:txBody>
+      </p:sp>
+      <p:sp>
+        <p:nvSpPr>
+          <p:cNvPr id="26" name="Retângulo: Cantos Arredondados 25">
+            <a:extLst>
+              <a:ext uri="{FF2B5EF4-FFF2-40B4-BE49-F238E27FC236}">
+                <a16:creationId xmlns:a16="http://schemas.microsoft.com/office/drawing/2014/main" id="{2711A56D-8191-F144-1B59-1359B5548055}"/>
+              </a:ext>
+            </a:extLst>
+          </p:cNvPr>
+          <p:cNvSpPr/>
+          <p:nvPr userDrawn="1"/>
+        </p:nvSpPr>
+        <p:spPr>
+          <a:xfrm>
+            <a:off x="2050290" y="3460750"/>
+            <a:ext cx="1512821" cy="1238250"/>
+          </a:xfrm>
+          <a:prstGeom prst="roundRect">
+            <a:avLst>
+              <a:gd name="adj" fmla="val 6304"/>
+            </a:avLst>
+          </a:prstGeom>
+          <a:solidFill>
+            <a:srgbClr val="0070C0">
+              <a:alpha val="20000"/>
+            </a:srgbClr>
+          </a:solidFill>
+          <a:ln w="38100">
+            <a:solidFill>
+              <a:srgbClr val="0070C0"/>
+            </a:solidFill>
+          </a:ln>
+        </p:spPr>
+        <p:style>
+          <a:lnRef idx="2">
+            <a:schemeClr val="accent1">
+              <a:shade val="15000"/>
+            </a:schemeClr>
+          </a:lnRef>
+          <a:fillRef idx="1">
+            <a:schemeClr val="accent1"/>
+          </a:fillRef>
+          <a:effectRef idx="0">
+            <a:schemeClr val="accent1"/>
+          </a:effectRef>
+          <a:fontRef idx="minor">
+            <a:schemeClr val="lt1"/>
+          </a:fontRef>
+        </p:style>
+        <p:txBody>
+          <a:bodyPr rtlCol="0" anchor="ctr"/>
+          <a:lstStyle/>
+          <a:p>
+            <a:pPr lvl="0" algn="ctr"/>
+            <a:endParaRPr lang="pt-BR"/>
+          </a:p>
+        </p:txBody>
+      </p:sp>
+      <p:sp>
+        <p:nvSpPr>
+          <p:cNvPr id="27" name="Retângulo: Cantos Arredondados 26">
+            <a:extLst>
+              <a:ext uri="{FF2B5EF4-FFF2-40B4-BE49-F238E27FC236}">
+                <a16:creationId xmlns:a16="http://schemas.microsoft.com/office/drawing/2014/main" id="{E013178B-F668-E89F-960E-221ADF0B683E}"/>
+              </a:ext>
+            </a:extLst>
+          </p:cNvPr>
+          <p:cNvSpPr/>
+          <p:nvPr userDrawn="1"/>
+        </p:nvSpPr>
+        <p:spPr>
+          <a:xfrm>
+            <a:off x="3688590" y="3460750"/>
+            <a:ext cx="1512821" cy="1238250"/>
+          </a:xfrm>
+          <a:prstGeom prst="roundRect">
+            <a:avLst>
+              <a:gd name="adj" fmla="val 6304"/>
+            </a:avLst>
+          </a:prstGeom>
+          <a:solidFill>
+            <a:srgbClr val="FFFF00">
+              <a:alpha val="20000"/>
+            </a:srgbClr>
+          </a:solidFill>
+          <a:ln w="38100">
+            <a:solidFill>
+              <a:srgbClr val="FFFF00"/>
+            </a:solidFill>
+          </a:ln>
+        </p:spPr>
+        <p:style>
+          <a:lnRef idx="2">
+            <a:schemeClr val="accent1">
+              <a:shade val="15000"/>
+            </a:schemeClr>
+          </a:lnRef>
+          <a:fillRef idx="1">
+            <a:schemeClr val="accent1"/>
+          </a:fillRef>
+          <a:effectRef idx="0">
+            <a:schemeClr val="accent1"/>
+          </a:effectRef>
+          <a:fontRef idx="minor">
+            <a:schemeClr val="lt1"/>
+          </a:fontRef>
+        </p:style>
+        <p:txBody>
+          <a:bodyPr rtlCol="0" anchor="ctr"/>
+          <a:lstStyle/>
+          <a:p>
+            <a:pPr lvl="0" algn="ctr"/>
+            <a:endParaRPr lang="pt-BR"/>
+          </a:p>
+        </p:txBody>
+      </p:sp>
+      <p:sp>
+        <p:nvSpPr>
+          <p:cNvPr id="28" name="Retângulo: Cantos Arredondados 27">
+            <a:extLst>
+              <a:ext uri="{FF2B5EF4-FFF2-40B4-BE49-F238E27FC236}">
+                <a16:creationId xmlns:a16="http://schemas.microsoft.com/office/drawing/2014/main" id="{78C9DC8D-410C-CC50-1AE7-809B8117240E}"/>
+              </a:ext>
+            </a:extLst>
+          </p:cNvPr>
+          <p:cNvSpPr/>
+          <p:nvPr userDrawn="1"/>
+        </p:nvSpPr>
+        <p:spPr>
+          <a:xfrm>
+            <a:off x="5339590" y="3460750"/>
+            <a:ext cx="1512821" cy="1238250"/>
+          </a:xfrm>
+          <a:prstGeom prst="roundRect">
+            <a:avLst>
+              <a:gd name="adj" fmla="val 6304"/>
+            </a:avLst>
+          </a:prstGeom>
+          <a:solidFill>
+            <a:srgbClr val="00B050">
+              <a:alpha val="20000"/>
+            </a:srgbClr>
+          </a:solidFill>
+          <a:ln w="38100">
+            <a:solidFill>
+              <a:srgbClr val="00B050"/>
+            </a:solidFill>
+          </a:ln>
+        </p:spPr>
+        <p:style>
+          <a:lnRef idx="2">
+            <a:schemeClr val="accent1">
+              <a:shade val="15000"/>
+            </a:schemeClr>
+          </a:lnRef>
+          <a:fillRef idx="1">
+            <a:schemeClr val="accent1"/>
+          </a:fillRef>
+          <a:effectRef idx="0">
+            <a:schemeClr val="accent1"/>
+          </a:effectRef>
+          <a:fontRef idx="minor">
+            <a:schemeClr val="lt1"/>
+          </a:fontRef>
+        </p:style>
+        <p:txBody>
+          <a:bodyPr rtlCol="0" anchor="ctr"/>
+          <a:lstStyle/>
+          <a:p>
+            <a:pPr lvl="0" algn="ctr"/>
+            <a:endParaRPr lang="pt-BR"/>
+          </a:p>
+        </p:txBody>
+      </p:sp>
+      <p:sp>
+        <p:nvSpPr>
+          <p:cNvPr id="29" name="Retângulo: Cantos Arredondados 28">
+            <a:extLst>
+              <a:ext uri="{FF2B5EF4-FFF2-40B4-BE49-F238E27FC236}">
+                <a16:creationId xmlns:a16="http://schemas.microsoft.com/office/drawing/2014/main" id="{BFB363BE-2CA5-B112-269A-1BE9F1AC011C}"/>
+              </a:ext>
+            </a:extLst>
+          </p:cNvPr>
+          <p:cNvSpPr/>
+          <p:nvPr userDrawn="1"/>
+        </p:nvSpPr>
+        <p:spPr>
+          <a:xfrm>
+            <a:off x="6990590" y="3460750"/>
+            <a:ext cx="1512821" cy="1238250"/>
+          </a:xfrm>
+          <a:prstGeom prst="roundRect">
+            <a:avLst>
+              <a:gd name="adj" fmla="val 6304"/>
+            </a:avLst>
+          </a:prstGeom>
+          <a:solidFill>
+            <a:srgbClr val="0070C0">
+              <a:alpha val="20000"/>
+            </a:srgbClr>
+          </a:solidFill>
+          <a:ln w="38100">
+            <a:solidFill>
+              <a:srgbClr val="0070C0"/>
+            </a:solidFill>
+          </a:ln>
+        </p:spPr>
+        <p:style>
+          <a:lnRef idx="2">
+            <a:schemeClr val="accent1">
+              <a:shade val="15000"/>
+            </a:schemeClr>
+          </a:lnRef>
+          <a:fillRef idx="1">
+            <a:schemeClr val="accent1"/>
+          </a:fillRef>
+          <a:effectRef idx="0">
+            <a:schemeClr val="accent1"/>
+          </a:effectRef>
+          <a:fontRef idx="minor">
+            <a:schemeClr val="lt1"/>
+          </a:fontRef>
+        </p:style>
+        <p:txBody>
+          <a:bodyPr rtlCol="0" anchor="ctr"/>
+          <a:lstStyle/>
+          <a:p>
+            <a:pPr lvl="0" algn="ctr"/>
+            <a:endParaRPr lang="pt-BR"/>
+          </a:p>
+        </p:txBody>
+      </p:sp>
+      <p:sp>
+        <p:nvSpPr>
+          <p:cNvPr id="30" name="Retângulo: Cantos Arredondados 29">
+            <a:extLst>
+              <a:ext uri="{FF2B5EF4-FFF2-40B4-BE49-F238E27FC236}">
+                <a16:creationId xmlns:a16="http://schemas.microsoft.com/office/drawing/2014/main" id="{9C69FD86-6F37-73B2-210D-EB2826CA03E9}"/>
+              </a:ext>
+            </a:extLst>
+          </p:cNvPr>
+          <p:cNvSpPr/>
+          <p:nvPr userDrawn="1"/>
+        </p:nvSpPr>
+        <p:spPr>
+          <a:xfrm>
+            <a:off x="8641590" y="3460750"/>
+            <a:ext cx="1512821" cy="1238250"/>
+          </a:xfrm>
+          <a:prstGeom prst="roundRect">
+            <a:avLst>
+              <a:gd name="adj" fmla="val 6304"/>
+            </a:avLst>
+          </a:prstGeom>
+          <a:solidFill>
+            <a:srgbClr val="0070C0">
+              <a:alpha val="20000"/>
+            </a:srgbClr>
+          </a:solidFill>
+          <a:ln w="38100">
+            <a:solidFill>
+              <a:srgbClr val="0070C0"/>
+            </a:solidFill>
+          </a:ln>
+        </p:spPr>
+        <p:style>
+          <a:lnRef idx="2">
+            <a:schemeClr val="accent1">
+              <a:shade val="15000"/>
+            </a:schemeClr>
+          </a:lnRef>
+          <a:fillRef idx="1">
+            <a:schemeClr val="accent1"/>
+          </a:fillRef>
+          <a:effectRef idx="0">
+            <a:schemeClr val="accent1"/>
+          </a:effectRef>
+          <a:fontRef idx="minor">
+            <a:schemeClr val="lt1"/>
+          </a:fontRef>
+        </p:style>
+        <p:txBody>
+          <a:bodyPr rtlCol="0" anchor="ctr"/>
+          <a:lstStyle/>
+          <a:p>
+            <a:pPr lvl="0" algn="ctr"/>
+            <a:endParaRPr lang="pt-BR"/>
+          </a:p>
+        </p:txBody>
+      </p:sp>
+      <p:sp>
+        <p:nvSpPr>
+          <p:cNvPr id="31" name="Retângulo: Cantos Arredondados 30">
+            <a:extLst>
+              <a:ext uri="{FF2B5EF4-FFF2-40B4-BE49-F238E27FC236}">
+                <a16:creationId xmlns:a16="http://schemas.microsoft.com/office/drawing/2014/main" id="{E5036FB7-37C0-9817-AD52-6890D9C29DD3}"/>
+              </a:ext>
+            </a:extLst>
+          </p:cNvPr>
+          <p:cNvSpPr/>
+          <p:nvPr userDrawn="1"/>
+        </p:nvSpPr>
+        <p:spPr>
+          <a:xfrm>
+            <a:off x="10279890" y="3460750"/>
+            <a:ext cx="1512821" cy="1238250"/>
+          </a:xfrm>
+          <a:prstGeom prst="roundRect">
+            <a:avLst>
+              <a:gd name="adj" fmla="val 6304"/>
+            </a:avLst>
+          </a:prstGeom>
+          <a:solidFill>
+            <a:srgbClr val="0070C0">
+              <a:alpha val="20000"/>
+            </a:srgbClr>
+          </a:solidFill>
+          <a:ln w="38100">
+            <a:solidFill>
+              <a:srgbClr val="0070C0"/>
+            </a:solidFill>
+          </a:ln>
+        </p:spPr>
+        <p:style>
+          <a:lnRef idx="2">
+            <a:schemeClr val="accent1">
+              <a:shade val="15000"/>
+            </a:schemeClr>
+          </a:lnRef>
+          <a:fillRef idx="1">
+            <a:schemeClr val="accent1"/>
+          </a:fillRef>
+          <a:effectRef idx="0">
+            <a:schemeClr val="accent1"/>
+          </a:effectRef>
+          <a:fontRef idx="minor">
+            <a:schemeClr val="lt1"/>
+          </a:fontRef>
+        </p:style>
+        <p:txBody>
+          <a:bodyPr rtlCol="0" anchor="ctr"/>
+          <a:lstStyle/>
+          <a:p>
+            <a:pPr lvl="0" algn="ctr"/>
+            <a:endParaRPr lang="pt-BR"/>
+          </a:p>
+        </p:txBody>
+      </p:sp>
+      <p:sp>
+        <p:nvSpPr>
+          <p:cNvPr id="33" name="Retângulo: Cantos Arredondados 32">
+            <a:extLst>
+              <a:ext uri="{FF2B5EF4-FFF2-40B4-BE49-F238E27FC236}">
+                <a16:creationId xmlns:a16="http://schemas.microsoft.com/office/drawing/2014/main" id="{4DF9D088-7B42-93FD-BB07-4B0B2BBFD3E2}"/>
+              </a:ext>
+            </a:extLst>
+          </p:cNvPr>
+          <p:cNvSpPr/>
+          <p:nvPr userDrawn="1"/>
+        </p:nvSpPr>
+        <p:spPr>
+          <a:xfrm>
+            <a:off x="399290" y="4838700"/>
+            <a:ext cx="1512821" cy="1238250"/>
+          </a:xfrm>
+          <a:prstGeom prst="roundRect">
+            <a:avLst>
+              <a:gd name="adj" fmla="val 6304"/>
+            </a:avLst>
+          </a:prstGeom>
+          <a:solidFill>
+            <a:srgbClr val="FF0000">
+              <a:alpha val="20000"/>
+            </a:srgbClr>
+          </a:solidFill>
+          <a:ln w="38100">
+            <a:solidFill>
+              <a:srgbClr val="FF0000"/>
+            </a:solidFill>
+          </a:ln>
+        </p:spPr>
+        <p:style>
+          <a:lnRef idx="2">
+            <a:schemeClr val="accent1">
+              <a:shade val="15000"/>
+            </a:schemeClr>
+          </a:lnRef>
+          <a:fillRef idx="1">
+            <a:schemeClr val="accent1"/>
+          </a:fillRef>
+          <a:effectRef idx="0">
+            <a:schemeClr val="accent1"/>
+          </a:effectRef>
+          <a:fontRef idx="minor">
+            <a:schemeClr val="lt1"/>
+          </a:fontRef>
+        </p:style>
+        <p:txBody>
+          <a:bodyPr rtlCol="0" anchor="ctr"/>
+          <a:lstStyle/>
+          <a:p>
+            <a:pPr lvl="0" algn="ctr"/>
+            <a:endParaRPr lang="pt-BR"/>
+          </a:p>
+        </p:txBody>
+      </p:sp>
+      <p:sp>
+        <p:nvSpPr>
+          <p:cNvPr id="34" name="Retângulo: Cantos Arredondados 33">
+            <a:extLst>
+              <a:ext uri="{FF2B5EF4-FFF2-40B4-BE49-F238E27FC236}">
+                <a16:creationId xmlns:a16="http://schemas.microsoft.com/office/drawing/2014/main" id="{BABACA21-C1FA-5DA6-F55A-C9BD65D9BF2A}"/>
+              </a:ext>
+            </a:extLst>
+          </p:cNvPr>
+          <p:cNvSpPr/>
+          <p:nvPr userDrawn="1"/>
+        </p:nvSpPr>
+        <p:spPr>
+          <a:xfrm>
+            <a:off x="2050290" y="4838700"/>
+            <a:ext cx="1512821" cy="1238250"/>
+          </a:xfrm>
+          <a:prstGeom prst="roundRect">
+            <a:avLst>
+              <a:gd name="adj" fmla="val 6304"/>
+            </a:avLst>
+          </a:prstGeom>
+          <a:solidFill>
+            <a:srgbClr val="FFFF00">
+              <a:alpha val="20000"/>
+            </a:srgbClr>
+          </a:solidFill>
+          <a:ln w="38100">
+            <a:solidFill>
+              <a:srgbClr val="FFFF00"/>
+            </a:solidFill>
+          </a:ln>
+        </p:spPr>
+        <p:style>
+          <a:lnRef idx="2">
+            <a:schemeClr val="accent1">
+              <a:shade val="15000"/>
+            </a:schemeClr>
+          </a:lnRef>
+          <a:fillRef idx="1">
+            <a:schemeClr val="accent1"/>
+          </a:fillRef>
+          <a:effectRef idx="0">
+            <a:schemeClr val="accent1"/>
+          </a:effectRef>
+          <a:fontRef idx="minor">
+            <a:schemeClr val="lt1"/>
+          </a:fontRef>
+        </p:style>
+        <p:txBody>
+          <a:bodyPr rtlCol="0" anchor="ctr"/>
+          <a:lstStyle/>
+          <a:p>
+            <a:pPr lvl="0" algn="ctr"/>
+            <a:endParaRPr lang="pt-BR"/>
+          </a:p>
+        </p:txBody>
+      </p:sp>
+      <p:sp>
+        <p:nvSpPr>
+          <p:cNvPr id="35" name="Retângulo: Cantos Arredondados 34">
+            <a:extLst>
+              <a:ext uri="{FF2B5EF4-FFF2-40B4-BE49-F238E27FC236}">
+                <a16:creationId xmlns:a16="http://schemas.microsoft.com/office/drawing/2014/main" id="{74CAA8F1-5499-F239-DDA2-77BCC2B973C1}"/>
+              </a:ext>
+            </a:extLst>
+          </p:cNvPr>
+          <p:cNvSpPr/>
+          <p:nvPr userDrawn="1"/>
+        </p:nvSpPr>
+        <p:spPr>
+          <a:xfrm>
+            <a:off x="3688590" y="4838700"/>
+            <a:ext cx="1512821" cy="1238250"/>
+          </a:xfrm>
+          <a:prstGeom prst="roundRect">
+            <a:avLst>
+              <a:gd name="adj" fmla="val 6304"/>
+            </a:avLst>
+          </a:prstGeom>
+          <a:solidFill>
+            <a:srgbClr val="FFFF00">
+              <a:alpha val="20000"/>
+            </a:srgbClr>
+          </a:solidFill>
+          <a:ln w="38100">
+            <a:solidFill>
+              <a:srgbClr val="FFFF00"/>
+            </a:solidFill>
+          </a:ln>
+        </p:spPr>
+        <p:style>
+          <a:lnRef idx="2">
+            <a:schemeClr val="accent1">
+              <a:shade val="15000"/>
+            </a:schemeClr>
+          </a:lnRef>
+          <a:fillRef idx="1">
+            <a:schemeClr val="accent1"/>
+          </a:fillRef>
+          <a:effectRef idx="0">
+            <a:schemeClr val="accent1"/>
+          </a:effectRef>
+          <a:fontRef idx="minor">
+            <a:schemeClr val="lt1"/>
+          </a:fontRef>
+        </p:style>
+        <p:txBody>
+          <a:bodyPr rtlCol="0" anchor="ctr"/>
+          <a:lstStyle/>
+          <a:p>
+            <a:pPr lvl="0" algn="ctr"/>
+            <a:endParaRPr lang="pt-BR"/>
+          </a:p>
+        </p:txBody>
+      </p:sp>
+      <p:sp>
+        <p:nvSpPr>
+          <p:cNvPr id="36" name="Retângulo: Cantos Arredondados 35">
+            <a:extLst>
+              <a:ext uri="{FF2B5EF4-FFF2-40B4-BE49-F238E27FC236}">
+                <a16:creationId xmlns:a16="http://schemas.microsoft.com/office/drawing/2014/main" id="{AE279706-1AF6-B8F0-AF9C-8F09B9A9042C}"/>
+              </a:ext>
+            </a:extLst>
+          </p:cNvPr>
+          <p:cNvSpPr/>
+          <p:nvPr userDrawn="1"/>
+        </p:nvSpPr>
+        <p:spPr>
+          <a:xfrm>
+            <a:off x="5339590" y="4838700"/>
+            <a:ext cx="1512821" cy="1238250"/>
+          </a:xfrm>
+          <a:prstGeom prst="roundRect">
+            <a:avLst>
+              <a:gd name="adj" fmla="val 6304"/>
+            </a:avLst>
+          </a:prstGeom>
+          <a:solidFill>
+            <a:srgbClr val="00B050">
+              <a:alpha val="20000"/>
+            </a:srgbClr>
+          </a:solidFill>
+          <a:ln w="38100">
+            <a:solidFill>
+              <a:srgbClr val="00B050"/>
+            </a:solidFill>
+          </a:ln>
+        </p:spPr>
+        <p:style>
+          <a:lnRef idx="2">
+            <a:schemeClr val="accent1">
+              <a:shade val="15000"/>
+            </a:schemeClr>
+          </a:lnRef>
+          <a:fillRef idx="1">
+            <a:schemeClr val="accent1"/>
+          </a:fillRef>
+          <a:effectRef idx="0">
+            <a:schemeClr val="accent1"/>
+          </a:effectRef>
+          <a:fontRef idx="minor">
+            <a:schemeClr val="lt1"/>
+          </a:fontRef>
+        </p:style>
+        <p:txBody>
+          <a:bodyPr rtlCol="0" anchor="ctr"/>
+          <a:lstStyle/>
+          <a:p>
+            <a:pPr lvl="0" algn="ctr"/>
+            <a:endParaRPr lang="pt-BR"/>
+          </a:p>
+        </p:txBody>
+      </p:sp>
+      <p:sp>
+        <p:nvSpPr>
+          <p:cNvPr id="37" name="Retângulo: Cantos Arredondados 36">
+            <a:extLst>
+              <a:ext uri="{FF2B5EF4-FFF2-40B4-BE49-F238E27FC236}">
+                <a16:creationId xmlns:a16="http://schemas.microsoft.com/office/drawing/2014/main" id="{1DD9A9BB-9BF7-303D-355C-EF1A7216FF2F}"/>
+              </a:ext>
+            </a:extLst>
+          </p:cNvPr>
+          <p:cNvSpPr/>
+          <p:nvPr userDrawn="1"/>
+        </p:nvSpPr>
+        <p:spPr>
+          <a:xfrm>
+            <a:off x="6990590" y="4838700"/>
+            <a:ext cx="1512821" cy="1238250"/>
+          </a:xfrm>
+          <a:prstGeom prst="roundRect">
+            <a:avLst>
+              <a:gd name="adj" fmla="val 6304"/>
+            </a:avLst>
+          </a:prstGeom>
+          <a:solidFill>
+            <a:srgbClr val="FF0000">
+              <a:alpha val="20000"/>
+            </a:srgbClr>
+          </a:solidFill>
+          <a:ln w="38100">
+            <a:solidFill>
+              <a:srgbClr val="FF0000"/>
+            </a:solidFill>
+          </a:ln>
+        </p:spPr>
+        <p:style>
+          <a:lnRef idx="2">
+            <a:schemeClr val="accent1">
+              <a:shade val="15000"/>
+            </a:schemeClr>
+          </a:lnRef>
+          <a:fillRef idx="1">
+            <a:schemeClr val="accent1"/>
+          </a:fillRef>
+          <a:effectRef idx="0">
+            <a:schemeClr val="accent1"/>
+          </a:effectRef>
+          <a:fontRef idx="minor">
+            <a:schemeClr val="lt1"/>
+          </a:fontRef>
+        </p:style>
+        <p:txBody>
+          <a:bodyPr rtlCol="0" anchor="ctr"/>
+          <a:lstStyle/>
+          <a:p>
+            <a:pPr lvl="0" algn="ctr"/>
+            <a:endParaRPr lang="pt-BR"/>
+          </a:p>
+        </p:txBody>
+      </p:sp>
+      <p:sp>
+        <p:nvSpPr>
+          <p:cNvPr id="38" name="Retângulo: Cantos Arredondados 37">
+            <a:extLst>
+              <a:ext uri="{FF2B5EF4-FFF2-40B4-BE49-F238E27FC236}">
+                <a16:creationId xmlns:a16="http://schemas.microsoft.com/office/drawing/2014/main" id="{3AE93A35-0932-4864-9D1D-D570A7BCC4B5}"/>
+              </a:ext>
+            </a:extLst>
+          </p:cNvPr>
+          <p:cNvSpPr/>
+          <p:nvPr userDrawn="1"/>
+        </p:nvSpPr>
+        <p:spPr>
+          <a:xfrm>
+            <a:off x="8641590" y="4838700"/>
+            <a:ext cx="1512821" cy="1238250"/>
+          </a:xfrm>
+          <a:prstGeom prst="roundRect">
+            <a:avLst>
+              <a:gd name="adj" fmla="val 6304"/>
+            </a:avLst>
+          </a:prstGeom>
+          <a:solidFill>
+            <a:srgbClr val="00B050">
+              <a:alpha val="20000"/>
+            </a:srgbClr>
+          </a:solidFill>
+          <a:ln w="38100">
+            <a:solidFill>
+              <a:srgbClr val="00B050"/>
+            </a:solidFill>
+          </a:ln>
+        </p:spPr>
+        <p:style>
+          <a:lnRef idx="2">
+            <a:schemeClr val="accent1">
+              <a:shade val="15000"/>
+            </a:schemeClr>
+          </a:lnRef>
+          <a:fillRef idx="1">
+            <a:schemeClr val="accent1"/>
+          </a:fillRef>
+          <a:effectRef idx="0">
+            <a:schemeClr val="accent1"/>
+          </a:effectRef>
+          <a:fontRef idx="minor">
+            <a:schemeClr val="lt1"/>
+          </a:fontRef>
+        </p:style>
+        <p:txBody>
+          <a:bodyPr rtlCol="0" anchor="ctr"/>
+          <a:lstStyle/>
+          <a:p>
+            <a:pPr lvl="0" algn="ctr"/>
+            <a:endParaRPr lang="pt-BR"/>
+          </a:p>
+        </p:txBody>
+      </p:sp>
+      <p:sp>
+        <p:nvSpPr>
+          <p:cNvPr id="39" name="Retângulo: Cantos Arredondados 38">
+            <a:extLst>
+              <a:ext uri="{FF2B5EF4-FFF2-40B4-BE49-F238E27FC236}">
+                <a16:creationId xmlns:a16="http://schemas.microsoft.com/office/drawing/2014/main" id="{978EAB2C-B2FA-FD96-CA2E-A2F57DF6CFE9}"/>
+              </a:ext>
+            </a:extLst>
+          </p:cNvPr>
+          <p:cNvSpPr/>
+          <p:nvPr userDrawn="1"/>
+        </p:nvSpPr>
+        <p:spPr>
+          <a:xfrm>
+            <a:off x="10279890" y="4838700"/>
+            <a:ext cx="1512821" cy="1238250"/>
+          </a:xfrm>
+          <a:prstGeom prst="roundRect">
+            <a:avLst>
+              <a:gd name="adj" fmla="val 6304"/>
+            </a:avLst>
+          </a:prstGeom>
+          <a:solidFill>
+            <a:srgbClr val="FFFF00">
+              <a:alpha val="20000"/>
+            </a:srgbClr>
+          </a:solidFill>
+          <a:ln w="38100">
+            <a:solidFill>
+              <a:srgbClr val="FFFF00"/>
+            </a:solidFill>
+          </a:ln>
+        </p:spPr>
+        <p:style>
+          <a:lnRef idx="2">
+            <a:schemeClr val="accent1">
+              <a:shade val="15000"/>
+            </a:schemeClr>
+          </a:lnRef>
+          <a:fillRef idx="1">
+            <a:schemeClr val="accent1"/>
+          </a:fillRef>
+          <a:effectRef idx="0">
+            <a:schemeClr val="accent1"/>
+          </a:effectRef>
+          <a:fontRef idx="minor">
+            <a:schemeClr val="lt1"/>
+          </a:fontRef>
+        </p:style>
+        <p:txBody>
+          <a:bodyPr rtlCol="0" anchor="ctr"/>
+          <a:lstStyle/>
+          <a:p>
+            <a:pPr lvl="0" algn="ctr"/>
+            <a:endParaRPr lang="pt-BR"/>
+          </a:p>
+        </p:txBody>
+      </p:sp>
+      <p:sp>
+        <p:nvSpPr>
+          <p:cNvPr id="9" name="CaixaDeTexto 8">
+            <a:extLst>
+              <a:ext uri="{FF2B5EF4-FFF2-40B4-BE49-F238E27FC236}">
+                <a16:creationId xmlns:a16="http://schemas.microsoft.com/office/drawing/2014/main" id="{8E3E144F-1EFF-06DA-989E-74B0B91CA21C}"/>
+              </a:ext>
+            </a:extLst>
+          </p:cNvPr>
+          <p:cNvSpPr txBox="1"/>
+          <p:nvPr userDrawn="1"/>
+        </p:nvSpPr>
+        <p:spPr>
+          <a:xfrm>
+            <a:off x="7447885" y="165597"/>
+            <a:ext cx="2584362" cy="307777"/>
+          </a:xfrm>
+          <a:prstGeom prst="rect">
+            <a:avLst/>
+          </a:prstGeom>
+          <a:noFill/>
+        </p:spPr>
+        <p:txBody>
+          <a:bodyPr wrap="none" rtlCol="0">
+            <a:spAutoFit/>
+          </a:bodyPr>
+          <a:lstStyle/>
+          <a:p>
+            <a:r>
+              <a:rPr lang="pt-BR" sz="1400" b="1" dirty="0">
+                <a:solidFill>
+                  <a:schemeClr val="bg1"/>
+                </a:solidFill>
+                <a:latin typeface="Montserrat" panose="00000500000000000000" pitchFamily="2" charset="0"/>
+              </a:rPr>
+              <a:t>Equipe de pequeno porte</a:t>
+            </a:r>
+          </a:p>
+        </p:txBody>
+      </p:sp>
+      <p:sp>
+        <p:nvSpPr>
+          <p:cNvPr id="14" name="CaixaDeTexto 13">
+            <a:extLst>
+              <a:ext uri="{FF2B5EF4-FFF2-40B4-BE49-F238E27FC236}">
+                <a16:creationId xmlns:a16="http://schemas.microsoft.com/office/drawing/2014/main" id="{5F142393-1197-50D7-F94A-F026DCC14BB9}"/>
+              </a:ext>
+            </a:extLst>
+          </p:cNvPr>
+          <p:cNvSpPr txBox="1"/>
+          <p:nvPr userDrawn="1"/>
+        </p:nvSpPr>
+        <p:spPr>
+          <a:xfrm>
+            <a:off x="7447885" y="586085"/>
+            <a:ext cx="2343911" cy="307777"/>
+          </a:xfrm>
+          <a:prstGeom prst="rect">
+            <a:avLst/>
+          </a:prstGeom>
+          <a:noFill/>
+        </p:spPr>
+        <p:txBody>
+          <a:bodyPr wrap="none" rtlCol="0">
+            <a:spAutoFit/>
+          </a:bodyPr>
+          <a:lstStyle/>
+          <a:p>
+            <a:r>
+              <a:rPr lang="pt-BR" sz="1400" b="1" dirty="0">
+                <a:solidFill>
+                  <a:schemeClr val="bg1"/>
+                </a:solidFill>
+                <a:latin typeface="Montserrat" panose="00000500000000000000" pitchFamily="2" charset="0"/>
+              </a:rPr>
+              <a:t>Equipe de médio porte</a:t>
+            </a:r>
+          </a:p>
+        </p:txBody>
+      </p:sp>
+      <p:sp>
+        <p:nvSpPr>
+          <p:cNvPr id="15" name="CaixaDeTexto 14">
+            <a:extLst>
+              <a:ext uri="{FF2B5EF4-FFF2-40B4-BE49-F238E27FC236}">
+                <a16:creationId xmlns:a16="http://schemas.microsoft.com/office/drawing/2014/main" id="{E017B39D-12DD-E10B-9C21-8EA0B2C2C5B3}"/>
+              </a:ext>
+            </a:extLst>
+          </p:cNvPr>
+          <p:cNvSpPr txBox="1"/>
+          <p:nvPr userDrawn="1"/>
+        </p:nvSpPr>
+        <p:spPr>
+          <a:xfrm>
+            <a:off x="7447885" y="1020862"/>
+            <a:ext cx="2420856" cy="307777"/>
+          </a:xfrm>
+          <a:prstGeom prst="rect">
+            <a:avLst/>
+          </a:prstGeom>
+          <a:noFill/>
+        </p:spPr>
+        <p:txBody>
+          <a:bodyPr wrap="none" rtlCol="0">
+            <a:spAutoFit/>
+          </a:bodyPr>
+          <a:lstStyle/>
+          <a:p>
+            <a:r>
+              <a:rPr lang="pt-BR" sz="1400" b="1" dirty="0">
+                <a:solidFill>
+                  <a:schemeClr val="bg1"/>
+                </a:solidFill>
+                <a:latin typeface="Montserrat" panose="00000500000000000000" pitchFamily="2" charset="0"/>
+              </a:rPr>
+              <a:t>Equipe de grande porte</a:t>
+            </a:r>
+          </a:p>
+        </p:txBody>
+      </p:sp>
+      <p:sp>
+        <p:nvSpPr>
+          <p:cNvPr id="18" name="CaixaDeTexto 17">
+            <a:extLst>
+              <a:ext uri="{FF2B5EF4-FFF2-40B4-BE49-F238E27FC236}">
+                <a16:creationId xmlns:a16="http://schemas.microsoft.com/office/drawing/2014/main" id="{70BD11C8-2AD2-2C36-FD40-55A1A0BBF31E}"/>
+              </a:ext>
+            </a:extLst>
+          </p:cNvPr>
+          <p:cNvSpPr txBox="1"/>
+          <p:nvPr userDrawn="1"/>
+        </p:nvSpPr>
+        <p:spPr>
+          <a:xfrm>
+            <a:off x="7447885" y="1415119"/>
+            <a:ext cx="2249334" cy="307777"/>
+          </a:xfrm>
+          <a:prstGeom prst="rect">
+            <a:avLst/>
+          </a:prstGeom>
+          <a:noFill/>
+        </p:spPr>
+        <p:txBody>
+          <a:bodyPr wrap="none" rtlCol="0">
+            <a:spAutoFit/>
+          </a:bodyPr>
+          <a:lstStyle/>
+          <a:p>
+            <a:r>
+              <a:rPr lang="pt-BR" sz="1400" b="1" dirty="0">
+                <a:solidFill>
+                  <a:schemeClr val="bg1"/>
+                </a:solidFill>
+                <a:latin typeface="Montserrat" panose="00000500000000000000" pitchFamily="2" charset="0"/>
+              </a:rPr>
+              <a:t>Equipe elevado porte</a:t>
+            </a:r>
+          </a:p>
+        </p:txBody>
+      </p:sp>
+      <p:sp>
+        <p:nvSpPr>
+          <p:cNvPr id="21" name="CaixaDeTexto 20">
+            <a:extLst>
+              <a:ext uri="{FF2B5EF4-FFF2-40B4-BE49-F238E27FC236}">
+                <a16:creationId xmlns:a16="http://schemas.microsoft.com/office/drawing/2014/main" id="{04BCE571-4A16-B4AB-8C9B-252092DA913A}"/>
+              </a:ext>
+            </a:extLst>
+          </p:cNvPr>
+          <p:cNvSpPr txBox="1"/>
+          <p:nvPr userDrawn="1"/>
+        </p:nvSpPr>
+        <p:spPr>
+          <a:xfrm>
+            <a:off x="2086360" y="1081600"/>
+            <a:ext cx="980397" cy="461665"/>
+          </a:xfrm>
+          <a:prstGeom prst="rect">
+            <a:avLst/>
+          </a:prstGeom>
+          <a:noFill/>
+        </p:spPr>
+        <p:txBody>
+          <a:bodyPr wrap="square" rtlCol="0">
+            <a:spAutoFit/>
+          </a:bodyPr>
+          <a:lstStyle/>
+          <a:p>
+            <a:r>
+              <a:rPr lang="pt-BR" sz="2400" b="1" dirty="0">
+                <a:solidFill>
+                  <a:schemeClr val="bg1"/>
+                </a:solidFill>
+                <a:latin typeface="Montserrat" panose="00000500000000000000" pitchFamily="2" charset="0"/>
+              </a:rPr>
+              <a:t>Mês: </a:t>
+            </a:r>
+          </a:p>
+        </p:txBody>
+      </p:sp>
+      <p:sp>
+        <p:nvSpPr>
+          <p:cNvPr id="23" name="Retângulo 22">
+            <a:extLst>
+              <a:ext uri="{FF2B5EF4-FFF2-40B4-BE49-F238E27FC236}">
+                <a16:creationId xmlns:a16="http://schemas.microsoft.com/office/drawing/2014/main" id="{F572159A-B3F4-3991-C8F6-476C6E4CE1B4}"/>
+              </a:ext>
+            </a:extLst>
+          </p:cNvPr>
+          <p:cNvSpPr/>
+          <p:nvPr userDrawn="1"/>
+        </p:nvSpPr>
+        <p:spPr>
+          <a:xfrm>
+            <a:off x="3080820" y="1052258"/>
+            <a:ext cx="2602527" cy="553379"/>
+          </a:xfrm>
+          <a:prstGeom prst="rect">
+            <a:avLst/>
+          </a:prstGeom>
+          <a:noFill/>
+          <a:ln w="28575">
+            <a:solidFill>
+              <a:schemeClr val="bg1"/>
+            </a:solidFill>
+            <a:prstDash val="sysDot"/>
+          </a:ln>
+        </p:spPr>
+        <p:style>
+          <a:lnRef idx="2">
+            <a:schemeClr val="accent1">
+              <a:shade val="15000"/>
+            </a:schemeClr>
+          </a:lnRef>
+          <a:fillRef idx="1">
+            <a:schemeClr val="accent1"/>
+          </a:fillRef>
+          <a:effectRef idx="0">
+            <a:schemeClr val="accent1"/>
+          </a:effectRef>
+          <a:fontRef idx="minor">
+            <a:schemeClr val="lt1"/>
+          </a:fontRef>
+        </p:style>
+        <p:txBody>
+          <a:bodyPr rtlCol="0" anchor="ctr"/>
+          <a:lstStyle/>
+          <a:p>
+            <a:pPr algn="ctr"/>
             <a:endParaRPr lang="pt-BR"/>
           </a:p>
         </p:txBody>
@@ -1356,357 +2731,7 @@
     </p:spTree>
     <p:extLst>
       <p:ext uri="{BB962C8B-B14F-4D97-AF65-F5344CB8AC3E}">
-        <p14:creationId xmlns:p14="http://schemas.microsoft.com/office/powerpoint/2010/main" val="3157335102"/>
-      </p:ext>
-    </p:extLst>
-  </p:cSld>
-  <p:clrMapOvr>
-    <a:masterClrMapping/>
-  </p:clrMapOvr>
-</p:sldLayout>
-</file>
-
-<file path=ppt/slideLayouts/slideLayout5.xml><?xml version="1.0" encoding="utf-8"?>
-<p:sldLayout xmlns:a="http://schemas.openxmlformats.org/drawingml/2006/main" xmlns:r="http://schemas.openxmlformats.org/officeDocument/2006/relationships" xmlns:p="http://schemas.openxmlformats.org/presentationml/2006/main" type="vertTx" preserve="1">
-  <p:cSld name="Título e Texto Vertical">
-    <p:spTree>
-      <p:nvGrpSpPr>
-        <p:cNvPr id="1" name=""/>
-        <p:cNvGrpSpPr/>
-        <p:nvPr/>
-      </p:nvGrpSpPr>
-      <p:grpSpPr>
-        <a:xfrm>
-          <a:off x="0" y="0"/>
-          <a:ext cx="0" cy="0"/>
-          <a:chOff x="0" y="0"/>
-          <a:chExt cx="0" cy="0"/>
-        </a:xfrm>
-      </p:grpSpPr>
-      <p:sp>
-        <p:nvSpPr>
-          <p:cNvPr id="2" name="Title 1"/>
-          <p:cNvSpPr>
-            <a:spLocks noGrp="1"/>
-          </p:cNvSpPr>
-          <p:nvPr>
-            <p:ph type="title"/>
-          </p:nvPr>
-        </p:nvSpPr>
-        <p:spPr/>
-        <p:txBody>
-          <a:bodyPr/>
-          <a:lstStyle/>
-          <a:p>
-            <a:r>
-              <a:rPr lang="pt-BR"/>
-              <a:t>Clique para editar o título Mestre</a:t>
-            </a:r>
-            <a:endParaRPr lang="en-US" dirty="0"/>
-          </a:p>
-        </p:txBody>
-      </p:sp>
-      <p:sp>
-        <p:nvSpPr>
-          <p:cNvPr id="3" name="Vertical Text Placeholder 2"/>
-          <p:cNvSpPr>
-            <a:spLocks noGrp="1"/>
-          </p:cNvSpPr>
-          <p:nvPr>
-            <p:ph type="body" orient="vert" idx="1"/>
-          </p:nvPr>
-        </p:nvSpPr>
-        <p:spPr/>
-        <p:txBody>
-          <a:bodyPr vert="eaVert"/>
-          <a:lstStyle/>
-          <a:p>
-            <a:pPr lvl="0"/>
-            <a:r>
-              <a:rPr lang="pt-BR"/>
-              <a:t>Clique para editar os estilos de texto Mestres</a:t>
-            </a:r>
-          </a:p>
-          <a:p>
-            <a:pPr lvl="1"/>
-            <a:r>
-              <a:rPr lang="pt-BR"/>
-              <a:t>Segundo nível</a:t>
-            </a:r>
-          </a:p>
-          <a:p>
-            <a:pPr lvl="2"/>
-            <a:r>
-              <a:rPr lang="pt-BR"/>
-              <a:t>Terceiro nível</a:t>
-            </a:r>
-          </a:p>
-          <a:p>
-            <a:pPr lvl="3"/>
-            <a:r>
-              <a:rPr lang="pt-BR"/>
-              <a:t>Quarto nível</a:t>
-            </a:r>
-          </a:p>
-          <a:p>
-            <a:pPr lvl="4"/>
-            <a:r>
-              <a:rPr lang="pt-BR"/>
-              <a:t>Quinto nível</a:t>
-            </a:r>
-            <a:endParaRPr lang="en-US" dirty="0"/>
-          </a:p>
-        </p:txBody>
-      </p:sp>
-      <p:sp>
-        <p:nvSpPr>
-          <p:cNvPr id="4" name="Date Placeholder 3"/>
-          <p:cNvSpPr>
-            <a:spLocks noGrp="1"/>
-          </p:cNvSpPr>
-          <p:nvPr>
-            <p:ph type="dt" sz="half" idx="10"/>
-          </p:nvPr>
-        </p:nvSpPr>
-        <p:spPr/>
-        <p:txBody>
-          <a:bodyPr/>
-          <a:lstStyle/>
-          <a:p>
-            <a:fld id="{8792551F-9E1C-4BAB-9F4F-57DE78A3B0AF}" type="datetimeFigureOut">
-              <a:rPr lang="pt-BR" smtClean="0"/>
-              <a:t>11/10/2023</a:t>
-            </a:fld>
-            <a:endParaRPr lang="pt-BR"/>
-          </a:p>
-        </p:txBody>
-      </p:sp>
-      <p:sp>
-        <p:nvSpPr>
-          <p:cNvPr id="5" name="Footer Placeholder 4"/>
-          <p:cNvSpPr>
-            <a:spLocks noGrp="1"/>
-          </p:cNvSpPr>
-          <p:nvPr>
-            <p:ph type="ftr" sz="quarter" idx="11"/>
-          </p:nvPr>
-        </p:nvSpPr>
-        <p:spPr/>
-        <p:txBody>
-          <a:bodyPr/>
-          <a:lstStyle/>
-          <a:p>
-            <a:endParaRPr lang="pt-BR"/>
-          </a:p>
-        </p:txBody>
-      </p:sp>
-      <p:sp>
-        <p:nvSpPr>
-          <p:cNvPr id="6" name="Slide Number Placeholder 5"/>
-          <p:cNvSpPr>
-            <a:spLocks noGrp="1"/>
-          </p:cNvSpPr>
-          <p:nvPr>
-            <p:ph type="sldNum" sz="quarter" idx="12"/>
-          </p:nvPr>
-        </p:nvSpPr>
-        <p:spPr/>
-        <p:txBody>
-          <a:bodyPr/>
-          <a:lstStyle/>
-          <a:p>
-            <a:fld id="{B1A7BBF8-11CE-4AD0-87A1-3A80B3BAE3FA}" type="slidenum">
-              <a:rPr lang="pt-BR" smtClean="0"/>
-              <a:t>‹nº›</a:t>
-            </a:fld>
-            <a:endParaRPr lang="pt-BR"/>
-          </a:p>
-        </p:txBody>
-      </p:sp>
-    </p:spTree>
-    <p:extLst>
-      <p:ext uri="{BB962C8B-B14F-4D97-AF65-F5344CB8AC3E}">
-        <p14:creationId xmlns:p14="http://schemas.microsoft.com/office/powerpoint/2010/main" val="3782206055"/>
-      </p:ext>
-    </p:extLst>
-  </p:cSld>
-  <p:clrMapOvr>
-    <a:masterClrMapping/>
-  </p:clrMapOvr>
-</p:sldLayout>
-</file>
-
-<file path=ppt/slideLayouts/slideLayout6.xml><?xml version="1.0" encoding="utf-8"?>
-<p:sldLayout xmlns:a="http://schemas.openxmlformats.org/drawingml/2006/main" xmlns:r="http://schemas.openxmlformats.org/officeDocument/2006/relationships" xmlns:p="http://schemas.openxmlformats.org/presentationml/2006/main" type="vertTitleAndTx" preserve="1">
-  <p:cSld name="Texto e Título Vertical">
-    <p:spTree>
-      <p:nvGrpSpPr>
-        <p:cNvPr id="1" name=""/>
-        <p:cNvGrpSpPr/>
-        <p:nvPr/>
-      </p:nvGrpSpPr>
-      <p:grpSpPr>
-        <a:xfrm>
-          <a:off x="0" y="0"/>
-          <a:ext cx="0" cy="0"/>
-          <a:chOff x="0" y="0"/>
-          <a:chExt cx="0" cy="0"/>
-        </a:xfrm>
-      </p:grpSpPr>
-      <p:sp>
-        <p:nvSpPr>
-          <p:cNvPr id="2" name="Vertical Title 1"/>
-          <p:cNvSpPr>
-            <a:spLocks noGrp="1"/>
-          </p:cNvSpPr>
-          <p:nvPr>
-            <p:ph type="title" orient="vert"/>
-          </p:nvPr>
-        </p:nvSpPr>
-        <p:spPr>
-          <a:xfrm>
-            <a:off x="8724900" y="354983"/>
-            <a:ext cx="2628900" cy="5650398"/>
-          </a:xfrm>
-        </p:spPr>
-        <p:txBody>
-          <a:bodyPr vert="eaVert"/>
-          <a:lstStyle/>
-          <a:p>
-            <a:r>
-              <a:rPr lang="pt-BR"/>
-              <a:t>Clique para editar o título Mestre</a:t>
-            </a:r>
-            <a:endParaRPr lang="en-US" dirty="0"/>
-          </a:p>
-        </p:txBody>
-      </p:sp>
-      <p:sp>
-        <p:nvSpPr>
-          <p:cNvPr id="3" name="Vertical Text Placeholder 2"/>
-          <p:cNvSpPr>
-            <a:spLocks noGrp="1"/>
-          </p:cNvSpPr>
-          <p:nvPr>
-            <p:ph type="body" orient="vert" idx="1"/>
-          </p:nvPr>
-        </p:nvSpPr>
-        <p:spPr>
-          <a:xfrm>
-            <a:off x="838200" y="354983"/>
-            <a:ext cx="7734300" cy="5650398"/>
-          </a:xfrm>
-        </p:spPr>
-        <p:txBody>
-          <a:bodyPr vert="eaVert"/>
-          <a:lstStyle/>
-          <a:p>
-            <a:pPr lvl="0"/>
-            <a:r>
-              <a:rPr lang="pt-BR"/>
-              <a:t>Clique para editar os estilos de texto Mestres</a:t>
-            </a:r>
-          </a:p>
-          <a:p>
-            <a:pPr lvl="1"/>
-            <a:r>
-              <a:rPr lang="pt-BR"/>
-              <a:t>Segundo nível</a:t>
-            </a:r>
-          </a:p>
-          <a:p>
-            <a:pPr lvl="2"/>
-            <a:r>
-              <a:rPr lang="pt-BR"/>
-              <a:t>Terceiro nível</a:t>
-            </a:r>
-          </a:p>
-          <a:p>
-            <a:pPr lvl="3"/>
-            <a:r>
-              <a:rPr lang="pt-BR"/>
-              <a:t>Quarto nível</a:t>
-            </a:r>
-          </a:p>
-          <a:p>
-            <a:pPr lvl="4"/>
-            <a:r>
-              <a:rPr lang="pt-BR"/>
-              <a:t>Quinto nível</a:t>
-            </a:r>
-            <a:endParaRPr lang="en-US" dirty="0"/>
-          </a:p>
-        </p:txBody>
-      </p:sp>
-      <p:sp>
-        <p:nvSpPr>
-          <p:cNvPr id="4" name="Date Placeholder 3"/>
-          <p:cNvSpPr>
-            <a:spLocks noGrp="1"/>
-          </p:cNvSpPr>
-          <p:nvPr>
-            <p:ph type="dt" sz="half" idx="10"/>
-          </p:nvPr>
-        </p:nvSpPr>
-        <p:spPr/>
-        <p:txBody>
-          <a:bodyPr/>
-          <a:lstStyle/>
-          <a:p>
-            <a:fld id="{8792551F-9E1C-4BAB-9F4F-57DE78A3B0AF}" type="datetimeFigureOut">
-              <a:rPr lang="pt-BR" smtClean="0"/>
-              <a:t>11/10/2023</a:t>
-            </a:fld>
-            <a:endParaRPr lang="pt-BR"/>
-          </a:p>
-        </p:txBody>
-      </p:sp>
-      <p:sp>
-        <p:nvSpPr>
-          <p:cNvPr id="5" name="Footer Placeholder 4"/>
-          <p:cNvSpPr>
-            <a:spLocks noGrp="1"/>
-          </p:cNvSpPr>
-          <p:nvPr>
-            <p:ph type="ftr" sz="quarter" idx="11"/>
-          </p:nvPr>
-        </p:nvSpPr>
-        <p:spPr/>
-        <p:txBody>
-          <a:bodyPr/>
-          <a:lstStyle/>
-          <a:p>
-            <a:endParaRPr lang="pt-BR"/>
-          </a:p>
-        </p:txBody>
-      </p:sp>
-      <p:sp>
-        <p:nvSpPr>
-          <p:cNvPr id="6" name="Slide Number Placeholder 5"/>
-          <p:cNvSpPr>
-            <a:spLocks noGrp="1"/>
-          </p:cNvSpPr>
-          <p:nvPr>
-            <p:ph type="sldNum" sz="quarter" idx="12"/>
-          </p:nvPr>
-        </p:nvSpPr>
-        <p:spPr/>
-        <p:txBody>
-          <a:bodyPr/>
-          <a:lstStyle/>
-          <a:p>
-            <a:fld id="{B1A7BBF8-11CE-4AD0-87A1-3A80B3BAE3FA}" type="slidenum">
-              <a:rPr lang="pt-BR" smtClean="0"/>
-              <a:t>‹nº›</a:t>
-            </a:fld>
-            <a:endParaRPr lang="pt-BR"/>
-          </a:p>
-        </p:txBody>
-      </p:sp>
-    </p:spTree>
-    <p:extLst>
-      <p:ext uri="{BB962C8B-B14F-4D97-AF65-F5344CB8AC3E}">
-        <p14:creationId xmlns:p14="http://schemas.microsoft.com/office/powerpoint/2010/main" val="2574920300"/>
+        <p14:creationId xmlns:p14="http://schemas.microsoft.com/office/powerpoint/2010/main" val="922972098"/>
       </p:ext>
     </p:extLst>
   </p:cSld>
@@ -1868,7 +2893,7 @@
           <a:p>
             <a:fld id="{8792551F-9E1C-4BAB-9F4F-57DE78A3B0AF}" type="datetimeFigureOut">
               <a:rPr lang="pt-BR" smtClean="0"/>
-              <a:t>11/10/2023</a:t>
+              <a:t>17/10/2023</a:t>
             </a:fld>
             <a:endParaRPr lang="pt-BR"/>
           </a:p>
@@ -1965,8 +2990,6 @@
     <p:sldLayoutId id="2147483667" r:id="rId2"/>
     <p:sldLayoutId id="2147483668" r:id="rId3"/>
     <p:sldLayoutId id="2147483669" r:id="rId4"/>
-    <p:sldLayoutId id="2147483670" r:id="rId5"/>
-    <p:sldLayoutId id="2147483671" r:id="rId6"/>
   </p:sldLayoutIdLst>
   <p:txStyles>
     <p:titleStyle>
@@ -2272,6 +3295,66 @@
     <p:extLst>
       <p:ext uri="{BB962C8B-B14F-4D97-AF65-F5344CB8AC3E}">
         <p14:creationId xmlns:p14="http://schemas.microsoft.com/office/powerpoint/2010/main" val="2861485641"/>
+      </p:ext>
+    </p:extLst>
+  </p:cSld>
+  <p:clrMapOvr>
+    <a:masterClrMapping/>
+  </p:clrMapOvr>
+</p:sld>
+</file>
+
+<file path=ppt/slides/slide2.xml><?xml version="1.0" encoding="utf-8"?>
+<p:sld xmlns:a="http://schemas.openxmlformats.org/drawingml/2006/main" xmlns:r="http://schemas.openxmlformats.org/officeDocument/2006/relationships" xmlns:p="http://schemas.openxmlformats.org/presentationml/2006/main">
+  <p:cSld>
+    <p:spTree>
+      <p:nvGrpSpPr>
+        <p:cNvPr id="1" name=""/>
+        <p:cNvGrpSpPr/>
+        <p:nvPr/>
+      </p:nvGrpSpPr>
+      <p:grpSpPr>
+        <a:xfrm>
+          <a:off x="0" y="0"/>
+          <a:ext cx="0" cy="0"/>
+          <a:chOff x="0" y="0"/>
+          <a:chExt cx="0" cy="0"/>
+        </a:xfrm>
+      </p:grpSpPr>
+    </p:spTree>
+    <p:extLst>
+      <p:ext uri="{BB962C8B-B14F-4D97-AF65-F5344CB8AC3E}">
+        <p14:creationId xmlns:p14="http://schemas.microsoft.com/office/powerpoint/2010/main" val="2983193182"/>
+      </p:ext>
+    </p:extLst>
+  </p:cSld>
+  <p:clrMapOvr>
+    <a:masterClrMapping/>
+  </p:clrMapOvr>
+</p:sld>
+</file>
+
+<file path=ppt/slides/slide3.xml><?xml version="1.0" encoding="utf-8"?>
+<p:sld xmlns:a="http://schemas.openxmlformats.org/drawingml/2006/main" xmlns:r="http://schemas.openxmlformats.org/officeDocument/2006/relationships" xmlns:p="http://schemas.openxmlformats.org/presentationml/2006/main">
+  <p:cSld>
+    <p:spTree>
+      <p:nvGrpSpPr>
+        <p:cNvPr id="1" name=""/>
+        <p:cNvGrpSpPr/>
+        <p:nvPr/>
+      </p:nvGrpSpPr>
+      <p:grpSpPr>
+        <a:xfrm>
+          <a:off x="0" y="0"/>
+          <a:ext cx="0" cy="0"/>
+          <a:chOff x="0" y="0"/>
+          <a:chExt cx="0" cy="0"/>
+        </a:xfrm>
+      </p:grpSpPr>
+    </p:spTree>
+    <p:extLst>
+      <p:ext uri="{BB962C8B-B14F-4D97-AF65-F5344CB8AC3E}">
+        <p14:creationId xmlns:p14="http://schemas.microsoft.com/office/powerpoint/2010/main" val="655158309"/>
       </p:ext>
     </p:extLst>
   </p:cSld>
